--- a/9_MicroRNA.pptx
+++ b/9_MicroRNA.pptx
@@ -313,7 +313,7 @@
               <a:pPr>
                 <a:defRPr/>
               </a:pPr>
-              <a:t>13/11/22</a:t>
+              <a:t>10/01/2024</a:t>
             </a:fld>
             <a:endParaRPr lang="it-IT"/>
           </a:p>
@@ -641,6 +641,2526 @@
     </a:lvl9pPr>
   </p:notesStyle>
 </p:notesMaster>
+</file>
+
+<file path=ppt/notesSlides/notesSlide1.xml><?xml version="1.0" encoding="utf-8"?>
+<p:notes xmlns:a="http://schemas.openxmlformats.org/drawingml/2006/main" xmlns:r="http://schemas.openxmlformats.org/officeDocument/2006/relationships" xmlns:p="http://schemas.openxmlformats.org/presentationml/2006/main">
+  <p:cSld>
+    <p:spTree>
+      <p:nvGrpSpPr>
+        <p:cNvPr id="1" name=""/>
+        <p:cNvGrpSpPr/>
+        <p:nvPr/>
+      </p:nvGrpSpPr>
+      <p:grpSpPr>
+        <a:xfrm>
+          <a:off x="0" y="0"/>
+          <a:ext cx="0" cy="0"/>
+          <a:chOff x="0" y="0"/>
+          <a:chExt cx="0" cy="0"/>
+        </a:xfrm>
+      </p:grpSpPr>
+      <p:sp>
+        <p:nvSpPr>
+          <p:cNvPr id="2" name="Segnaposto immagine diapositiva 1"/>
+          <p:cNvSpPr>
+            <a:spLocks noGrp="1" noRot="1" noChangeAspect="1"/>
+          </p:cNvSpPr>
+          <p:nvPr>
+            <p:ph type="sldImg"/>
+          </p:nvPr>
+        </p:nvSpPr>
+        <p:spPr/>
+      </p:sp>
+      <p:sp>
+        <p:nvSpPr>
+          <p:cNvPr id="3" name="Segnaposto note 2"/>
+          <p:cNvSpPr>
+            <a:spLocks noGrp="1"/>
+          </p:cNvSpPr>
+          <p:nvPr>
+            <p:ph type="body" idx="1"/>
+          </p:nvPr>
+        </p:nvSpPr>
+        <p:spPr/>
+        <p:txBody>
+          <a:bodyPr/>
+          <a:lstStyle/>
+          <a:p>
+            <a:pPr algn="l">
+              <a:buFont typeface="+mj-lt"/>
+              <a:buAutoNum type="arabicPeriod"/>
+            </a:pPr>
+            <a:r>
+              <a:rPr lang="it-IT" b="1" i="0" dirty="0">
+                <a:solidFill>
+                  <a:srgbClr val="D1D5DB"/>
+                </a:solidFill>
+                <a:effectLst/>
+                <a:latin typeface="Söhne"/>
+              </a:rPr>
+              <a:t>Definizione e Funzione</a:t>
+            </a:r>
+            <a:r>
+              <a:rPr lang="it-IT" b="0" i="0" dirty="0">
+                <a:solidFill>
+                  <a:srgbClr val="D1D5DB"/>
+                </a:solidFill>
+                <a:effectLst/>
+                <a:latin typeface="Söhne"/>
+              </a:rPr>
+              <a:t>: I microRNA sono piccole molecole di RNA non codificanti. La loro funzione principale è regolare l'espressione genica a livello post-trascrizionale, il che significa che influenzano l'espressione dei geni dopo che il DNA è stato trascritto in RNA messaggero (mRNA).</a:t>
+            </a:r>
+          </a:p>
+          <a:p>
+            <a:pPr algn="l">
+              <a:buFont typeface="+mj-lt"/>
+              <a:buAutoNum type="arabicPeriod"/>
+            </a:pPr>
+            <a:r>
+              <a:rPr lang="it-IT" b="1" i="0" dirty="0">
+                <a:solidFill>
+                  <a:srgbClr val="D1D5DB"/>
+                </a:solidFill>
+                <a:effectLst/>
+                <a:latin typeface="Söhne"/>
+              </a:rPr>
+              <a:t>Meccanismo di Azione</a:t>
+            </a:r>
+            <a:r>
+              <a:rPr lang="it-IT" b="0" i="0" dirty="0">
+                <a:solidFill>
+                  <a:srgbClr val="D1D5DB"/>
+                </a:solidFill>
+                <a:effectLst/>
+                <a:latin typeface="Söhne"/>
+              </a:rPr>
+              <a:t>: Agiscono come RNA antisenso, legandosi a regioni complementari, sebbene spesso solo parzialmente, sui loro mRNA bersaglio. Questa complementarità determina il riconoscimento e l'associazione con gli specifici mRNA.</a:t>
+            </a:r>
+          </a:p>
+          <a:p>
+            <a:pPr algn="l">
+              <a:buFont typeface="+mj-lt"/>
+              <a:buAutoNum type="arabicPeriod"/>
+            </a:pPr>
+            <a:r>
+              <a:rPr lang="it-IT" b="1" i="0" dirty="0">
+                <a:solidFill>
+                  <a:srgbClr val="D1D5DB"/>
+                </a:solidFill>
+                <a:effectLst/>
+                <a:latin typeface="Söhne"/>
+              </a:rPr>
+              <a:t>Effetti sui Target</a:t>
+            </a:r>
+            <a:r>
+              <a:rPr lang="it-IT" b="0" i="0" dirty="0">
+                <a:solidFill>
+                  <a:srgbClr val="D1D5DB"/>
+                </a:solidFill>
+                <a:effectLst/>
+                <a:latin typeface="Söhne"/>
+              </a:rPr>
+              <a:t>: Una volta che un </a:t>
+            </a:r>
+            <a:r>
+              <a:rPr lang="it-IT" b="0" i="0" dirty="0" err="1">
+                <a:solidFill>
+                  <a:srgbClr val="D1D5DB"/>
+                </a:solidFill>
+                <a:effectLst/>
+                <a:latin typeface="Söhne"/>
+              </a:rPr>
+              <a:t>miRNA</a:t>
+            </a:r>
+            <a:r>
+              <a:rPr lang="it-IT" b="0" i="0" dirty="0">
+                <a:solidFill>
+                  <a:srgbClr val="D1D5DB"/>
+                </a:solidFill>
+                <a:effectLst/>
+                <a:latin typeface="Söhne"/>
+              </a:rPr>
+              <a:t> si lega al suo mRNA target, può bloccarne la traduzione in proteine. Questo avviene in due modi principali:</a:t>
+            </a:r>
+          </a:p>
+          <a:p>
+            <a:pPr marL="742950" lvl="1" indent="-285750" algn="l">
+              <a:buFont typeface="+mj-lt"/>
+              <a:buAutoNum type="arabicPeriod"/>
+            </a:pPr>
+            <a:r>
+              <a:rPr lang="it-IT" b="1" i="0" dirty="0">
+                <a:solidFill>
+                  <a:srgbClr val="D1D5DB"/>
+                </a:solidFill>
+                <a:effectLst/>
+                <a:latin typeface="Söhne"/>
+              </a:rPr>
+              <a:t>Inibizione della Traduzione</a:t>
+            </a:r>
+            <a:r>
+              <a:rPr lang="it-IT" b="0" i="0" dirty="0">
+                <a:solidFill>
+                  <a:srgbClr val="D1D5DB"/>
+                </a:solidFill>
+                <a:effectLst/>
+                <a:latin typeface="Söhne"/>
+              </a:rPr>
+              <a:t>: Impediscono che il ribosoma si leghi al mRNA e inizi la sintesi proteica.</a:t>
+            </a:r>
+          </a:p>
+          <a:p>
+            <a:pPr marL="742950" lvl="1" indent="-285750" algn="l">
+              <a:buFont typeface="+mj-lt"/>
+              <a:buAutoNum type="arabicPeriod"/>
+            </a:pPr>
+            <a:r>
+              <a:rPr lang="it-IT" b="1" i="0" dirty="0">
+                <a:solidFill>
+                  <a:srgbClr val="D1D5DB"/>
+                </a:solidFill>
+                <a:effectLst/>
+                <a:latin typeface="Söhne"/>
+              </a:rPr>
+              <a:t>Degradazione del mRNA</a:t>
+            </a:r>
+            <a:r>
+              <a:rPr lang="it-IT" b="0" i="0" dirty="0">
+                <a:solidFill>
+                  <a:srgbClr val="D1D5DB"/>
+                </a:solidFill>
+                <a:effectLst/>
+                <a:latin typeface="Söhne"/>
+              </a:rPr>
+              <a:t>: In alcuni casi, il legame con i </a:t>
+            </a:r>
+            <a:r>
+              <a:rPr lang="it-IT" b="0" i="0" dirty="0" err="1">
+                <a:solidFill>
+                  <a:srgbClr val="D1D5DB"/>
+                </a:solidFill>
+                <a:effectLst/>
+                <a:latin typeface="Söhne"/>
+              </a:rPr>
+              <a:t>miRNA</a:t>
+            </a:r>
+            <a:r>
+              <a:rPr lang="it-IT" b="0" i="0" dirty="0">
+                <a:solidFill>
+                  <a:srgbClr val="D1D5DB"/>
+                </a:solidFill>
+                <a:effectLst/>
+                <a:latin typeface="Söhne"/>
+              </a:rPr>
+              <a:t> può portare alla degradazione del mRNA bersaglio, riducendone ulteriormente la traduzione in proteine.</a:t>
+            </a:r>
+          </a:p>
+          <a:p>
+            <a:pPr algn="l">
+              <a:buFont typeface="+mj-lt"/>
+              <a:buAutoNum type="arabicPeriod"/>
+            </a:pPr>
+            <a:r>
+              <a:rPr lang="it-IT" b="1" i="0" dirty="0">
+                <a:solidFill>
+                  <a:srgbClr val="D1D5DB"/>
+                </a:solidFill>
+                <a:effectLst/>
+                <a:latin typeface="Söhne"/>
+              </a:rPr>
+              <a:t>Relazioni </a:t>
+            </a:r>
+            <a:r>
+              <a:rPr lang="it-IT" b="1" i="0" dirty="0" err="1">
+                <a:solidFill>
+                  <a:srgbClr val="D1D5DB"/>
+                </a:solidFill>
+                <a:effectLst/>
+                <a:latin typeface="Söhne"/>
+              </a:rPr>
+              <a:t>miRNA</a:t>
+            </a:r>
+            <a:r>
+              <a:rPr lang="it-IT" b="1" i="0" dirty="0">
+                <a:solidFill>
+                  <a:srgbClr val="D1D5DB"/>
+                </a:solidFill>
+                <a:effectLst/>
+                <a:latin typeface="Söhne"/>
+              </a:rPr>
+              <a:t>-mRNA</a:t>
+            </a:r>
+            <a:r>
+              <a:rPr lang="it-IT" b="0" i="0" dirty="0">
+                <a:solidFill>
+                  <a:srgbClr val="D1D5DB"/>
+                </a:solidFill>
+                <a:effectLst/>
+                <a:latin typeface="Söhne"/>
+              </a:rPr>
+              <a:t>: Un singolo </a:t>
+            </a:r>
+            <a:r>
+              <a:rPr lang="it-IT" b="0" i="0" dirty="0" err="1">
+                <a:solidFill>
+                  <a:srgbClr val="D1D5DB"/>
+                </a:solidFill>
+                <a:effectLst/>
+                <a:latin typeface="Söhne"/>
+              </a:rPr>
+              <a:t>miRNA</a:t>
+            </a:r>
+            <a:r>
+              <a:rPr lang="it-IT" b="0" i="0" dirty="0">
+                <a:solidFill>
+                  <a:srgbClr val="D1D5DB"/>
+                </a:solidFill>
+                <a:effectLst/>
+                <a:latin typeface="Söhne"/>
+              </a:rPr>
+              <a:t> può regolare l'espressione di più geni target (mRNA), dato che può legarsi a diversi mRNA che hanno sequenze complementari. Allo stesso modo, un singolo mRNA può essere regolato da più </a:t>
+            </a:r>
+            <a:r>
+              <a:rPr lang="it-IT" b="0" i="0" dirty="0" err="1">
+                <a:solidFill>
+                  <a:srgbClr val="D1D5DB"/>
+                </a:solidFill>
+                <a:effectLst/>
+                <a:latin typeface="Söhne"/>
+              </a:rPr>
+              <a:t>miRNA</a:t>
+            </a:r>
+            <a:r>
+              <a:rPr lang="it-IT" b="0" i="0" dirty="0">
+                <a:solidFill>
+                  <a:srgbClr val="D1D5DB"/>
+                </a:solidFill>
+                <a:effectLst/>
+                <a:latin typeface="Söhne"/>
+              </a:rPr>
+              <a:t> diversi.</a:t>
+            </a:r>
+          </a:p>
+          <a:p>
+            <a:pPr algn="l">
+              <a:buFont typeface="+mj-lt"/>
+              <a:buAutoNum type="arabicPeriod"/>
+            </a:pPr>
+            <a:r>
+              <a:rPr lang="it-IT" b="1" i="0" dirty="0">
+                <a:solidFill>
+                  <a:srgbClr val="D1D5DB"/>
+                </a:solidFill>
+                <a:effectLst/>
+                <a:latin typeface="Söhne"/>
+              </a:rPr>
+              <a:t>Importanza Biologica</a:t>
+            </a:r>
+            <a:r>
+              <a:rPr lang="it-IT" b="0" i="0" dirty="0">
+                <a:solidFill>
+                  <a:srgbClr val="D1D5DB"/>
+                </a:solidFill>
+                <a:effectLst/>
+                <a:latin typeface="Söhne"/>
+              </a:rPr>
+              <a:t>: I </a:t>
+            </a:r>
+            <a:r>
+              <a:rPr lang="it-IT" b="0" i="0" dirty="0" err="1">
+                <a:solidFill>
+                  <a:srgbClr val="D1D5DB"/>
+                </a:solidFill>
+                <a:effectLst/>
+                <a:latin typeface="Söhne"/>
+              </a:rPr>
+              <a:t>miRNA</a:t>
+            </a:r>
+            <a:r>
+              <a:rPr lang="it-IT" b="0" i="0" dirty="0">
+                <a:solidFill>
+                  <a:srgbClr val="D1D5DB"/>
+                </a:solidFill>
+                <a:effectLst/>
+                <a:latin typeface="Söhne"/>
+              </a:rPr>
+              <a:t> sono cruciali in numerosi processi biologici, inclusi lo sviluppo, la differenziazione cellulare, il ciclo cellulare e l'apoptosi. Anomalie nella loro funzione sono state associate a diverse patologie, tra cui il cancro.</a:t>
+            </a:r>
+          </a:p>
+          <a:p>
+            <a:endParaRPr lang="en-US" dirty="0"/>
+          </a:p>
+        </p:txBody>
+      </p:sp>
+      <p:sp>
+        <p:nvSpPr>
+          <p:cNvPr id="4" name="Segnaposto numero diapositiva 3"/>
+          <p:cNvSpPr>
+            <a:spLocks noGrp="1"/>
+          </p:cNvSpPr>
+          <p:nvPr>
+            <p:ph type="sldNum" sz="quarter" idx="5"/>
+          </p:nvPr>
+        </p:nvSpPr>
+        <p:spPr/>
+        <p:txBody>
+          <a:bodyPr/>
+          <a:lstStyle/>
+          <a:p>
+            <a:pPr>
+              <a:defRPr/>
+            </a:pPr>
+            <a:fld id="{655940AD-DE91-3047-9CD5-EF2EC3B3C9FF}" type="slidenum">
+              <a:rPr lang="it-IT" altLang="it-IT" smtClean="0"/>
+              <a:pPr>
+                <a:defRPr/>
+              </a:pPr>
+              <a:t>3</a:t>
+            </a:fld>
+            <a:endParaRPr lang="it-IT" altLang="it-IT"/>
+          </a:p>
+        </p:txBody>
+      </p:sp>
+    </p:spTree>
+    <p:extLst>
+      <p:ext uri="{BB962C8B-B14F-4D97-AF65-F5344CB8AC3E}">
+        <p14:creationId xmlns:p14="http://schemas.microsoft.com/office/powerpoint/2010/main" val="1080604628"/>
+      </p:ext>
+    </p:extLst>
+  </p:cSld>
+  <p:clrMapOvr>
+    <a:masterClrMapping/>
+  </p:clrMapOvr>
+</p:notes>
+</file>
+
+<file path=ppt/notesSlides/notesSlide2.xml><?xml version="1.0" encoding="utf-8"?>
+<p:notes xmlns:a="http://schemas.openxmlformats.org/drawingml/2006/main" xmlns:r="http://schemas.openxmlformats.org/officeDocument/2006/relationships" xmlns:p="http://schemas.openxmlformats.org/presentationml/2006/main">
+  <p:cSld>
+    <p:spTree>
+      <p:nvGrpSpPr>
+        <p:cNvPr id="1" name=""/>
+        <p:cNvGrpSpPr/>
+        <p:nvPr/>
+      </p:nvGrpSpPr>
+      <p:grpSpPr>
+        <a:xfrm>
+          <a:off x="0" y="0"/>
+          <a:ext cx="0" cy="0"/>
+          <a:chOff x="0" y="0"/>
+          <a:chExt cx="0" cy="0"/>
+        </a:xfrm>
+      </p:grpSpPr>
+      <p:sp>
+        <p:nvSpPr>
+          <p:cNvPr id="2" name="Segnaposto immagine diapositiva 1"/>
+          <p:cNvSpPr>
+            <a:spLocks noGrp="1" noRot="1" noChangeAspect="1"/>
+          </p:cNvSpPr>
+          <p:nvPr>
+            <p:ph type="sldImg"/>
+          </p:nvPr>
+        </p:nvSpPr>
+        <p:spPr/>
+      </p:sp>
+      <p:sp>
+        <p:nvSpPr>
+          <p:cNvPr id="3" name="Segnaposto note 2"/>
+          <p:cNvSpPr>
+            <a:spLocks noGrp="1"/>
+          </p:cNvSpPr>
+          <p:nvPr>
+            <p:ph type="body" idx="1"/>
+          </p:nvPr>
+        </p:nvSpPr>
+        <p:spPr/>
+        <p:txBody>
+          <a:bodyPr/>
+          <a:lstStyle/>
+          <a:p>
+            <a:pPr algn="l">
+              <a:buFont typeface="+mj-lt"/>
+              <a:buAutoNum type="arabicPeriod"/>
+            </a:pPr>
+            <a:r>
+              <a:rPr lang="it-IT" b="1" i="0" dirty="0">
+                <a:solidFill>
+                  <a:srgbClr val="D1D5DB"/>
+                </a:solidFill>
+                <a:effectLst/>
+                <a:latin typeface="Söhne"/>
+              </a:rPr>
+              <a:t>Origine Genomica</a:t>
+            </a:r>
+            <a:r>
+              <a:rPr lang="it-IT" b="0" i="0" dirty="0">
+                <a:solidFill>
+                  <a:srgbClr val="D1D5DB"/>
+                </a:solidFill>
+                <a:effectLst/>
+                <a:latin typeface="Söhne"/>
+              </a:rPr>
+              <a:t>: I </a:t>
+            </a:r>
+            <a:r>
+              <a:rPr lang="it-IT" b="0" i="0" dirty="0" err="1">
+                <a:solidFill>
+                  <a:srgbClr val="D1D5DB"/>
+                </a:solidFill>
+                <a:effectLst/>
+                <a:latin typeface="Söhne"/>
+              </a:rPr>
+              <a:t>miRNA</a:t>
+            </a:r>
+            <a:r>
+              <a:rPr lang="it-IT" b="0" i="0" dirty="0">
+                <a:solidFill>
+                  <a:srgbClr val="D1D5DB"/>
+                </a:solidFill>
+                <a:effectLst/>
+                <a:latin typeface="Söhne"/>
+              </a:rPr>
+              <a:t> sono trascritti da sequenze specifiche del genoma, note come geni </a:t>
+            </a:r>
+            <a:r>
+              <a:rPr lang="it-IT" b="0" i="0" dirty="0" err="1">
+                <a:solidFill>
+                  <a:srgbClr val="D1D5DB"/>
+                </a:solidFill>
+                <a:effectLst/>
+                <a:latin typeface="Söhne"/>
+              </a:rPr>
+              <a:t>miRNA</a:t>
+            </a:r>
+            <a:r>
+              <a:rPr lang="it-IT" b="0" i="0" dirty="0">
+                <a:solidFill>
+                  <a:srgbClr val="D1D5DB"/>
+                </a:solidFill>
+                <a:effectLst/>
+                <a:latin typeface="Söhne"/>
+              </a:rPr>
+              <a:t>. Questi possono essere trovati in regioni </a:t>
+            </a:r>
+            <a:r>
+              <a:rPr lang="it-IT" b="0" i="0" dirty="0" err="1">
+                <a:solidFill>
+                  <a:srgbClr val="D1D5DB"/>
+                </a:solidFill>
+                <a:effectLst/>
+                <a:latin typeface="Söhne"/>
+              </a:rPr>
+              <a:t>intergeniche</a:t>
+            </a:r>
+            <a:r>
+              <a:rPr lang="it-IT" b="0" i="0" dirty="0">
+                <a:solidFill>
+                  <a:srgbClr val="D1D5DB"/>
+                </a:solidFill>
+                <a:effectLst/>
+                <a:latin typeface="Söhne"/>
+              </a:rPr>
+              <a:t> (cioè, le regioni del DNA tra due geni) o negli introni di altri geni. Gli introni sono porzioni non codificanti di un gene che vengono rimosse durante il processo di splicing dell'RNA.</a:t>
+            </a:r>
+          </a:p>
+          <a:p>
+            <a:pPr algn="l">
+              <a:buFont typeface="+mj-lt"/>
+              <a:buAutoNum type="arabicPeriod"/>
+            </a:pPr>
+            <a:r>
+              <a:rPr lang="it-IT" b="1" i="0" dirty="0">
+                <a:solidFill>
+                  <a:srgbClr val="D1D5DB"/>
+                </a:solidFill>
+                <a:effectLst/>
+                <a:latin typeface="Söhne"/>
+              </a:rPr>
+              <a:t>Conservazione Evolutiva</a:t>
+            </a:r>
+            <a:r>
+              <a:rPr lang="it-IT" b="0" i="0" dirty="0">
+                <a:solidFill>
+                  <a:srgbClr val="D1D5DB"/>
+                </a:solidFill>
+                <a:effectLst/>
+                <a:latin typeface="Söhne"/>
+              </a:rPr>
+              <a:t>: Molte sequenze di </a:t>
+            </a:r>
+            <a:r>
+              <a:rPr lang="it-IT" b="0" i="0" dirty="0" err="1">
+                <a:solidFill>
+                  <a:srgbClr val="D1D5DB"/>
+                </a:solidFill>
+                <a:effectLst/>
+                <a:latin typeface="Söhne"/>
+              </a:rPr>
+              <a:t>miRNA</a:t>
+            </a:r>
+            <a:r>
+              <a:rPr lang="it-IT" b="0" i="0" dirty="0">
+                <a:solidFill>
+                  <a:srgbClr val="D1D5DB"/>
+                </a:solidFill>
+                <a:effectLst/>
+                <a:latin typeface="Söhne"/>
+              </a:rPr>
+              <a:t> sono altamente conservate attraverso diverse specie, anche molto distanti evolutivamente. Questo suggerisce un ruolo fondamentale e conservato nella regolazione genica. Ad esempio, alcuni </a:t>
+            </a:r>
+            <a:r>
+              <a:rPr lang="it-IT" b="0" i="0" dirty="0" err="1">
+                <a:solidFill>
+                  <a:srgbClr val="D1D5DB"/>
+                </a:solidFill>
+                <a:effectLst/>
+                <a:latin typeface="Söhne"/>
+              </a:rPr>
+              <a:t>miRNA</a:t>
+            </a:r>
+            <a:r>
+              <a:rPr lang="it-IT" b="0" i="0" dirty="0">
+                <a:solidFill>
+                  <a:srgbClr val="D1D5DB"/>
+                </a:solidFill>
+                <a:effectLst/>
+                <a:latin typeface="Söhne"/>
+              </a:rPr>
+              <a:t> presenti nell'uomo (Homo sapiens) possono essere trovati in specie lontane come il nematode </a:t>
+            </a:r>
+            <a:r>
+              <a:rPr lang="it-IT" b="0" i="0" dirty="0" err="1">
+                <a:solidFill>
+                  <a:srgbClr val="D1D5DB"/>
+                </a:solidFill>
+                <a:effectLst/>
+                <a:latin typeface="Söhne"/>
+              </a:rPr>
+              <a:t>Caenorhabditis</a:t>
+            </a:r>
+            <a:r>
+              <a:rPr lang="it-IT" b="0" i="0" dirty="0">
+                <a:solidFill>
+                  <a:srgbClr val="D1D5DB"/>
+                </a:solidFill>
+                <a:effectLst/>
+                <a:latin typeface="Söhne"/>
+              </a:rPr>
+              <a:t> </a:t>
+            </a:r>
+            <a:r>
+              <a:rPr lang="it-IT" b="0" i="0" dirty="0" err="1">
+                <a:solidFill>
+                  <a:srgbClr val="D1D5DB"/>
+                </a:solidFill>
+                <a:effectLst/>
+                <a:latin typeface="Söhne"/>
+              </a:rPr>
+              <a:t>elegans</a:t>
+            </a:r>
+            <a:r>
+              <a:rPr lang="it-IT" b="0" i="0" dirty="0">
+                <a:solidFill>
+                  <a:srgbClr val="D1D5DB"/>
+                </a:solidFill>
+                <a:effectLst/>
+                <a:latin typeface="Söhne"/>
+              </a:rPr>
+              <a:t>.</a:t>
+            </a:r>
+          </a:p>
+          <a:p>
+            <a:pPr algn="l">
+              <a:buFont typeface="+mj-lt"/>
+              <a:buAutoNum type="arabicPeriod"/>
+            </a:pPr>
+            <a:r>
+              <a:rPr lang="it-IT" b="1" i="0" dirty="0">
+                <a:solidFill>
+                  <a:srgbClr val="D1D5DB"/>
+                </a:solidFill>
+                <a:effectLst/>
+                <a:latin typeface="Söhne"/>
+              </a:rPr>
+              <a:t>Presenza nei Virus</a:t>
+            </a:r>
+            <a:r>
+              <a:rPr lang="it-IT" b="0" i="0" dirty="0">
+                <a:solidFill>
+                  <a:srgbClr val="D1D5DB"/>
+                </a:solidFill>
+                <a:effectLst/>
+                <a:latin typeface="Söhne"/>
+              </a:rPr>
+              <a:t>: I </a:t>
+            </a:r>
+            <a:r>
+              <a:rPr lang="it-IT" b="0" i="0" dirty="0" err="1">
+                <a:solidFill>
+                  <a:srgbClr val="D1D5DB"/>
+                </a:solidFill>
+                <a:effectLst/>
+                <a:latin typeface="Söhne"/>
+              </a:rPr>
+              <a:t>miRNA</a:t>
+            </a:r>
+            <a:r>
+              <a:rPr lang="it-IT" b="0" i="0" dirty="0">
+                <a:solidFill>
+                  <a:srgbClr val="D1D5DB"/>
+                </a:solidFill>
+                <a:effectLst/>
+                <a:latin typeface="Söhne"/>
+              </a:rPr>
+              <a:t> sono anche identificati nei virus, dove probabilmente svolgono un ruolo nell'autoregolazione virale e nell'interferenza con le funzioni cellulari dell'ospite. Questa presenza suggerisce un meccanismo sofisticato attraverso il quale i virus possono manipolare le vie cellulari per favorire la loro replicazione e sopravvivenza.</a:t>
+            </a:r>
+          </a:p>
+          <a:p>
+            <a:pPr algn="l">
+              <a:buFont typeface="+mj-lt"/>
+              <a:buAutoNum type="arabicPeriod"/>
+            </a:pPr>
+            <a:r>
+              <a:rPr lang="it-IT" b="1" i="0" dirty="0">
+                <a:solidFill>
+                  <a:srgbClr val="D1D5DB"/>
+                </a:solidFill>
+                <a:effectLst/>
+                <a:latin typeface="Söhne"/>
+              </a:rPr>
+              <a:t>Assenza nei Batteri</a:t>
+            </a:r>
+            <a:r>
+              <a:rPr lang="it-IT" b="0" i="0" dirty="0">
+                <a:solidFill>
+                  <a:srgbClr val="D1D5DB"/>
+                </a:solidFill>
+                <a:effectLst/>
+                <a:latin typeface="Söhne"/>
+              </a:rPr>
+              <a:t>: A differenza di eucarioti e virus, i </a:t>
+            </a:r>
+            <a:r>
+              <a:rPr lang="it-IT" b="0" i="0" dirty="0" err="1">
+                <a:solidFill>
+                  <a:srgbClr val="D1D5DB"/>
+                </a:solidFill>
+                <a:effectLst/>
+                <a:latin typeface="Söhne"/>
+              </a:rPr>
+              <a:t>miRNA</a:t>
+            </a:r>
+            <a:r>
+              <a:rPr lang="it-IT" b="0" i="0" dirty="0">
+                <a:solidFill>
+                  <a:srgbClr val="D1D5DB"/>
+                </a:solidFill>
+                <a:effectLst/>
+                <a:latin typeface="Söhne"/>
+              </a:rPr>
+              <a:t> non sono stati identificati nei batteri. Questo suggerisce una differenza fondamentale nei meccanismi di regolazione genica tra batteri ed eucarioti.</a:t>
+            </a:r>
+          </a:p>
+          <a:p>
+            <a:endParaRPr lang="en-US" dirty="0"/>
+          </a:p>
+        </p:txBody>
+      </p:sp>
+      <p:sp>
+        <p:nvSpPr>
+          <p:cNvPr id="4" name="Segnaposto numero diapositiva 3"/>
+          <p:cNvSpPr>
+            <a:spLocks noGrp="1"/>
+          </p:cNvSpPr>
+          <p:nvPr>
+            <p:ph type="sldNum" sz="quarter" idx="5"/>
+          </p:nvPr>
+        </p:nvSpPr>
+        <p:spPr/>
+        <p:txBody>
+          <a:bodyPr/>
+          <a:lstStyle/>
+          <a:p>
+            <a:pPr>
+              <a:defRPr/>
+            </a:pPr>
+            <a:fld id="{655940AD-DE91-3047-9CD5-EF2EC3B3C9FF}" type="slidenum">
+              <a:rPr lang="it-IT" altLang="it-IT" smtClean="0"/>
+              <a:pPr>
+                <a:defRPr/>
+              </a:pPr>
+              <a:t>4</a:t>
+            </a:fld>
+            <a:endParaRPr lang="it-IT" altLang="it-IT"/>
+          </a:p>
+        </p:txBody>
+      </p:sp>
+    </p:spTree>
+    <p:extLst>
+      <p:ext uri="{BB962C8B-B14F-4D97-AF65-F5344CB8AC3E}">
+        <p14:creationId xmlns:p14="http://schemas.microsoft.com/office/powerpoint/2010/main" val="3225368295"/>
+      </p:ext>
+    </p:extLst>
+  </p:cSld>
+  <p:clrMapOvr>
+    <a:masterClrMapping/>
+  </p:clrMapOvr>
+</p:notes>
+</file>
+
+<file path=ppt/notesSlides/notesSlide3.xml><?xml version="1.0" encoding="utf-8"?>
+<p:notes xmlns:a="http://schemas.openxmlformats.org/drawingml/2006/main" xmlns:r="http://schemas.openxmlformats.org/officeDocument/2006/relationships" xmlns:p="http://schemas.openxmlformats.org/presentationml/2006/main">
+  <p:cSld>
+    <p:spTree>
+      <p:nvGrpSpPr>
+        <p:cNvPr id="1" name=""/>
+        <p:cNvGrpSpPr/>
+        <p:nvPr/>
+      </p:nvGrpSpPr>
+      <p:grpSpPr>
+        <a:xfrm>
+          <a:off x="0" y="0"/>
+          <a:ext cx="0" cy="0"/>
+          <a:chOff x="0" y="0"/>
+          <a:chExt cx="0" cy="0"/>
+        </a:xfrm>
+      </p:grpSpPr>
+      <p:sp>
+        <p:nvSpPr>
+          <p:cNvPr id="2" name="Segnaposto immagine diapositiva 1"/>
+          <p:cNvSpPr>
+            <a:spLocks noGrp="1" noRot="1" noChangeAspect="1"/>
+          </p:cNvSpPr>
+          <p:nvPr>
+            <p:ph type="sldImg"/>
+          </p:nvPr>
+        </p:nvSpPr>
+        <p:spPr/>
+      </p:sp>
+      <p:sp>
+        <p:nvSpPr>
+          <p:cNvPr id="3" name="Segnaposto note 2"/>
+          <p:cNvSpPr>
+            <a:spLocks noGrp="1"/>
+          </p:cNvSpPr>
+          <p:nvPr>
+            <p:ph type="body" idx="1"/>
+          </p:nvPr>
+        </p:nvSpPr>
+        <p:spPr/>
+        <p:txBody>
+          <a:bodyPr/>
+          <a:lstStyle/>
+          <a:p>
+            <a:pPr algn="l">
+              <a:buFont typeface="+mj-lt"/>
+              <a:buAutoNum type="arabicPeriod"/>
+            </a:pPr>
+            <a:r>
+              <a:rPr lang="it-IT" b="1" i="0" dirty="0">
+                <a:solidFill>
+                  <a:srgbClr val="D1D5DB"/>
+                </a:solidFill>
+                <a:effectLst/>
+                <a:latin typeface="Söhne"/>
+              </a:rPr>
+              <a:t>Struttura dei </a:t>
+            </a:r>
+            <a:r>
+              <a:rPr lang="it-IT" b="1" i="0" dirty="0" err="1">
+                <a:solidFill>
+                  <a:srgbClr val="D1D5DB"/>
+                </a:solidFill>
+                <a:effectLst/>
+                <a:latin typeface="Söhne"/>
+              </a:rPr>
+              <a:t>miRNA</a:t>
+            </a:r>
+            <a:r>
+              <a:rPr lang="it-IT" b="0" i="0" dirty="0">
+                <a:solidFill>
+                  <a:srgbClr val="D1D5DB"/>
+                </a:solidFill>
+                <a:effectLst/>
+                <a:latin typeface="Söhne"/>
+              </a:rPr>
+              <a:t>: I geni </a:t>
+            </a:r>
+            <a:r>
+              <a:rPr lang="it-IT" b="0" i="0" dirty="0" err="1">
+                <a:solidFill>
+                  <a:srgbClr val="D1D5DB"/>
+                </a:solidFill>
+                <a:effectLst/>
+                <a:latin typeface="Söhne"/>
+              </a:rPr>
+              <a:t>miRNA</a:t>
+            </a:r>
+            <a:r>
+              <a:rPr lang="it-IT" b="0" i="0" dirty="0">
+                <a:solidFill>
+                  <a:srgbClr val="D1D5DB"/>
+                </a:solidFill>
+                <a:effectLst/>
+                <a:latin typeface="Söhne"/>
+              </a:rPr>
+              <a:t> sono strutturati in modo da produrre trascritti di RNA con una configurazione a forcina, nota anche come struttura </a:t>
+            </a:r>
+            <a:r>
+              <a:rPr lang="it-IT" b="0" i="0" dirty="0" err="1">
+                <a:solidFill>
+                  <a:srgbClr val="D1D5DB"/>
+                </a:solidFill>
+                <a:effectLst/>
+                <a:latin typeface="Söhne"/>
+              </a:rPr>
+              <a:t>hairpin</a:t>
+            </a:r>
+            <a:r>
+              <a:rPr lang="it-IT" b="0" i="0" dirty="0">
+                <a:solidFill>
+                  <a:srgbClr val="D1D5DB"/>
+                </a:solidFill>
+                <a:effectLst/>
+                <a:latin typeface="Söhne"/>
+              </a:rPr>
+              <a:t>. Questa struttura include un loop (anello) e una porzione di stem (gambo) che è il risultato dell'appaiamento di basi complementari all'interno dello stesso RNA.</a:t>
+            </a:r>
+          </a:p>
+          <a:p>
+            <a:pPr algn="l">
+              <a:buFont typeface="+mj-lt"/>
+              <a:buAutoNum type="arabicPeriod"/>
+            </a:pPr>
+            <a:r>
+              <a:rPr lang="it-IT" b="1" i="0" dirty="0">
+                <a:solidFill>
+                  <a:srgbClr val="D1D5DB"/>
+                </a:solidFill>
+                <a:effectLst/>
+                <a:latin typeface="Söhne"/>
+              </a:rPr>
+              <a:t>Appaiamento delle Basi</a:t>
+            </a:r>
+            <a:r>
+              <a:rPr lang="it-IT" b="0" i="0" dirty="0">
+                <a:solidFill>
+                  <a:srgbClr val="D1D5DB"/>
+                </a:solidFill>
+                <a:effectLst/>
+                <a:latin typeface="Söhne"/>
+              </a:rPr>
+              <a:t>: Nell'esempio mostrato, puoi vedere come le basi si appaiano per formare lo stem con alcune basi non appaiate che creano delle protrusioni o "loop".</a:t>
+            </a:r>
+          </a:p>
+          <a:p>
+            <a:pPr algn="l">
+              <a:buFont typeface="+mj-lt"/>
+              <a:buAutoNum type="arabicPeriod"/>
+            </a:pPr>
+            <a:r>
+              <a:rPr lang="it-IT" b="1" i="0" dirty="0">
+                <a:solidFill>
+                  <a:srgbClr val="D1D5DB"/>
+                </a:solidFill>
+                <a:effectLst/>
+                <a:latin typeface="Söhne"/>
+              </a:rPr>
+              <a:t>Strutture STEM-LOOP</a:t>
+            </a:r>
+            <a:r>
+              <a:rPr lang="it-IT" b="0" i="0" dirty="0">
+                <a:solidFill>
+                  <a:srgbClr val="D1D5DB"/>
+                </a:solidFill>
+                <a:effectLst/>
+                <a:latin typeface="Söhne"/>
+              </a:rPr>
+              <a:t>: Le strutture STEM-LOOP sono tipiche dei precursori dei </a:t>
+            </a:r>
+            <a:r>
+              <a:rPr lang="it-IT" b="0" i="0" dirty="0" err="1">
+                <a:solidFill>
+                  <a:srgbClr val="D1D5DB"/>
+                </a:solidFill>
+                <a:effectLst/>
+                <a:latin typeface="Söhne"/>
+              </a:rPr>
+              <a:t>miRNA</a:t>
+            </a:r>
+            <a:r>
+              <a:rPr lang="it-IT" b="0" i="0" dirty="0">
+                <a:solidFill>
+                  <a:srgbClr val="D1D5DB"/>
+                </a:solidFill>
+                <a:effectLst/>
+                <a:latin typeface="Söhne"/>
+              </a:rPr>
+              <a:t> e non sempre presentano </a:t>
+            </a:r>
+            <a:r>
+              <a:rPr lang="it-IT" b="0" i="0" dirty="0" err="1">
+                <a:solidFill>
+                  <a:srgbClr val="D1D5DB"/>
+                </a:solidFill>
+                <a:effectLst/>
+                <a:latin typeface="Söhne"/>
+              </a:rPr>
+              <a:t>un'appaiamento</a:t>
+            </a:r>
+            <a:r>
+              <a:rPr lang="it-IT" b="0" i="0" dirty="0">
+                <a:solidFill>
+                  <a:srgbClr val="D1D5DB"/>
+                </a:solidFill>
+                <a:effectLst/>
+                <a:latin typeface="Söhne"/>
+              </a:rPr>
+              <a:t> perfetto delle basi. Questo può portare alla formazione di </a:t>
+            </a:r>
+            <a:r>
+              <a:rPr lang="it-IT" b="0" i="0" dirty="0" err="1">
+                <a:solidFill>
+                  <a:srgbClr val="D1D5DB"/>
+                </a:solidFill>
+                <a:effectLst/>
+                <a:latin typeface="Söhne"/>
+              </a:rPr>
+              <a:t>bulge</a:t>
+            </a:r>
+            <a:r>
+              <a:rPr lang="it-IT" b="0" i="0" dirty="0">
+                <a:solidFill>
+                  <a:srgbClr val="D1D5DB"/>
+                </a:solidFill>
+                <a:effectLst/>
+                <a:latin typeface="Söhne"/>
+              </a:rPr>
+              <a:t> o anse nella struttura secondaria dell'RNA.</a:t>
+            </a:r>
+          </a:p>
+          <a:p>
+            <a:endParaRPr lang="en-US" dirty="0"/>
+          </a:p>
+        </p:txBody>
+      </p:sp>
+      <p:sp>
+        <p:nvSpPr>
+          <p:cNvPr id="4" name="Segnaposto numero diapositiva 3"/>
+          <p:cNvSpPr>
+            <a:spLocks noGrp="1"/>
+          </p:cNvSpPr>
+          <p:nvPr>
+            <p:ph type="sldNum" sz="quarter" idx="5"/>
+          </p:nvPr>
+        </p:nvSpPr>
+        <p:spPr/>
+        <p:txBody>
+          <a:bodyPr/>
+          <a:lstStyle/>
+          <a:p>
+            <a:pPr>
+              <a:defRPr/>
+            </a:pPr>
+            <a:fld id="{655940AD-DE91-3047-9CD5-EF2EC3B3C9FF}" type="slidenum">
+              <a:rPr lang="it-IT" altLang="it-IT" smtClean="0"/>
+              <a:pPr>
+                <a:defRPr/>
+              </a:pPr>
+              <a:t>5</a:t>
+            </a:fld>
+            <a:endParaRPr lang="it-IT" altLang="it-IT"/>
+          </a:p>
+        </p:txBody>
+      </p:sp>
+    </p:spTree>
+    <p:extLst>
+      <p:ext uri="{BB962C8B-B14F-4D97-AF65-F5344CB8AC3E}">
+        <p14:creationId xmlns:p14="http://schemas.microsoft.com/office/powerpoint/2010/main" val="185193467"/>
+      </p:ext>
+    </p:extLst>
+  </p:cSld>
+  <p:clrMapOvr>
+    <a:masterClrMapping/>
+  </p:clrMapOvr>
+</p:notes>
+</file>
+
+<file path=ppt/notesSlides/notesSlide4.xml><?xml version="1.0" encoding="utf-8"?>
+<p:notes xmlns:a="http://schemas.openxmlformats.org/drawingml/2006/main" xmlns:r="http://schemas.openxmlformats.org/officeDocument/2006/relationships" xmlns:p="http://schemas.openxmlformats.org/presentationml/2006/main">
+  <p:cSld>
+    <p:spTree>
+      <p:nvGrpSpPr>
+        <p:cNvPr id="1" name=""/>
+        <p:cNvGrpSpPr/>
+        <p:nvPr/>
+      </p:nvGrpSpPr>
+      <p:grpSpPr>
+        <a:xfrm>
+          <a:off x="0" y="0"/>
+          <a:ext cx="0" cy="0"/>
+          <a:chOff x="0" y="0"/>
+          <a:chExt cx="0" cy="0"/>
+        </a:xfrm>
+      </p:grpSpPr>
+      <p:sp>
+        <p:nvSpPr>
+          <p:cNvPr id="2" name="Segnaposto immagine diapositiva 1"/>
+          <p:cNvSpPr>
+            <a:spLocks noGrp="1" noRot="1" noChangeAspect="1"/>
+          </p:cNvSpPr>
+          <p:nvPr>
+            <p:ph type="sldImg"/>
+          </p:nvPr>
+        </p:nvSpPr>
+        <p:spPr/>
+      </p:sp>
+      <p:sp>
+        <p:nvSpPr>
+          <p:cNvPr id="3" name="Segnaposto note 2"/>
+          <p:cNvSpPr>
+            <a:spLocks noGrp="1"/>
+          </p:cNvSpPr>
+          <p:nvPr>
+            <p:ph type="body" idx="1"/>
+          </p:nvPr>
+        </p:nvSpPr>
+        <p:spPr/>
+        <p:txBody>
+          <a:bodyPr/>
+          <a:lstStyle/>
+          <a:p>
+            <a:pPr algn="l">
+              <a:buFont typeface="+mj-lt"/>
+              <a:buAutoNum type="arabicPeriod"/>
+            </a:pPr>
+            <a:r>
+              <a:rPr lang="it-IT" b="1" i="0" dirty="0">
+                <a:solidFill>
+                  <a:srgbClr val="D1D5DB"/>
+                </a:solidFill>
+                <a:effectLst/>
+                <a:latin typeface="Söhne"/>
+              </a:rPr>
+              <a:t>Trascrizione</a:t>
+            </a:r>
+            <a:r>
+              <a:rPr lang="it-IT" b="0" i="0" dirty="0">
+                <a:solidFill>
+                  <a:srgbClr val="D1D5DB"/>
+                </a:solidFill>
+                <a:effectLst/>
+                <a:latin typeface="Söhne"/>
+              </a:rPr>
+              <a:t>: Il processo inizia nel nucleo, dove i geni </a:t>
+            </a:r>
+            <a:r>
+              <a:rPr lang="it-IT" b="0" i="0" dirty="0" err="1">
+                <a:solidFill>
+                  <a:srgbClr val="D1D5DB"/>
+                </a:solidFill>
+                <a:effectLst/>
+                <a:latin typeface="Söhne"/>
+              </a:rPr>
+              <a:t>miRNA</a:t>
+            </a:r>
+            <a:r>
+              <a:rPr lang="it-IT" b="0" i="0" dirty="0">
+                <a:solidFill>
+                  <a:srgbClr val="D1D5DB"/>
+                </a:solidFill>
+                <a:effectLst/>
+                <a:latin typeface="Söhne"/>
+              </a:rPr>
+              <a:t> sono trascritti in </a:t>
+            </a:r>
+            <a:r>
+              <a:rPr lang="it-IT" b="0" i="0" dirty="0" err="1">
+                <a:solidFill>
+                  <a:srgbClr val="D1D5DB"/>
+                </a:solidFill>
+                <a:effectLst/>
+                <a:latin typeface="Söhne"/>
+              </a:rPr>
+              <a:t>pri-miRNA</a:t>
+            </a:r>
+            <a:r>
+              <a:rPr lang="it-IT" b="0" i="0" dirty="0">
+                <a:solidFill>
+                  <a:srgbClr val="D1D5DB"/>
+                </a:solidFill>
+                <a:effectLst/>
+                <a:latin typeface="Söhne"/>
+              </a:rPr>
+              <a:t> (RNA primario del </a:t>
+            </a:r>
+            <a:r>
+              <a:rPr lang="it-IT" b="0" i="0" dirty="0" err="1">
+                <a:solidFill>
+                  <a:srgbClr val="D1D5DB"/>
+                </a:solidFill>
+                <a:effectLst/>
+                <a:latin typeface="Söhne"/>
+              </a:rPr>
+              <a:t>miRNA</a:t>
+            </a:r>
+            <a:r>
+              <a:rPr lang="it-IT" b="0" i="0" dirty="0">
+                <a:solidFill>
+                  <a:srgbClr val="D1D5DB"/>
+                </a:solidFill>
+                <a:effectLst/>
+                <a:latin typeface="Söhne"/>
+              </a:rPr>
+              <a:t>).</a:t>
+            </a:r>
+          </a:p>
+          <a:p>
+            <a:pPr algn="l">
+              <a:buFont typeface="+mj-lt"/>
+              <a:buAutoNum type="arabicPeriod"/>
+            </a:pPr>
+            <a:r>
+              <a:rPr lang="it-IT" b="1" i="0" dirty="0">
+                <a:solidFill>
+                  <a:srgbClr val="D1D5DB"/>
+                </a:solidFill>
+                <a:effectLst/>
+                <a:latin typeface="Söhne"/>
+              </a:rPr>
+              <a:t>Processamento da </a:t>
+            </a:r>
+            <a:r>
+              <a:rPr lang="it-IT" b="1" i="0" dirty="0" err="1">
+                <a:solidFill>
+                  <a:srgbClr val="D1D5DB"/>
+                </a:solidFill>
+                <a:effectLst/>
+                <a:latin typeface="Söhne"/>
+              </a:rPr>
+              <a:t>Drosha</a:t>
+            </a:r>
+            <a:r>
+              <a:rPr lang="it-IT" b="0" i="0" dirty="0">
+                <a:solidFill>
+                  <a:srgbClr val="D1D5DB"/>
+                </a:solidFill>
+                <a:effectLst/>
+                <a:latin typeface="Söhne"/>
+              </a:rPr>
+              <a:t>: Questi </a:t>
+            </a:r>
+            <a:r>
+              <a:rPr lang="it-IT" b="0" i="0" dirty="0" err="1">
+                <a:solidFill>
+                  <a:srgbClr val="D1D5DB"/>
+                </a:solidFill>
+                <a:effectLst/>
+                <a:latin typeface="Söhne"/>
+              </a:rPr>
+              <a:t>pri-miRNA</a:t>
+            </a:r>
+            <a:r>
+              <a:rPr lang="it-IT" b="0" i="0" dirty="0">
+                <a:solidFill>
+                  <a:srgbClr val="D1D5DB"/>
+                </a:solidFill>
+                <a:effectLst/>
+                <a:latin typeface="Söhne"/>
+              </a:rPr>
+              <a:t> sono poi processati dall'enzima </a:t>
+            </a:r>
+            <a:r>
+              <a:rPr lang="it-IT" b="0" i="0" dirty="0" err="1">
+                <a:solidFill>
+                  <a:srgbClr val="D1D5DB"/>
+                </a:solidFill>
+                <a:effectLst/>
+                <a:latin typeface="Söhne"/>
+              </a:rPr>
+              <a:t>Drosha</a:t>
+            </a:r>
+            <a:r>
+              <a:rPr lang="it-IT" b="0" i="0" dirty="0">
+                <a:solidFill>
+                  <a:srgbClr val="D1D5DB"/>
+                </a:solidFill>
+                <a:effectLst/>
+                <a:latin typeface="Söhne"/>
+              </a:rPr>
+              <a:t> per formare i </a:t>
+            </a:r>
+            <a:r>
+              <a:rPr lang="it-IT" b="0" i="0" dirty="0" err="1">
+                <a:solidFill>
+                  <a:srgbClr val="D1D5DB"/>
+                </a:solidFill>
+                <a:effectLst/>
+                <a:latin typeface="Söhne"/>
+              </a:rPr>
+              <a:t>pre-miRNA</a:t>
+            </a:r>
+            <a:r>
+              <a:rPr lang="it-IT" b="0" i="0" dirty="0">
+                <a:solidFill>
+                  <a:srgbClr val="D1D5DB"/>
+                </a:solidFill>
+                <a:effectLst/>
+                <a:latin typeface="Söhne"/>
+              </a:rPr>
+              <a:t>, che sono precursori a doppio filamento più corti.</a:t>
+            </a:r>
+          </a:p>
+          <a:p>
+            <a:pPr algn="l">
+              <a:buFont typeface="+mj-lt"/>
+              <a:buAutoNum type="arabicPeriod"/>
+            </a:pPr>
+            <a:r>
+              <a:rPr lang="it-IT" b="1" i="0" dirty="0">
+                <a:solidFill>
+                  <a:srgbClr val="D1D5DB"/>
+                </a:solidFill>
+                <a:effectLst/>
+                <a:latin typeface="Söhne"/>
+              </a:rPr>
+              <a:t>Esportazione nel Citoplasma</a:t>
+            </a:r>
+            <a:r>
+              <a:rPr lang="it-IT" b="0" i="0" dirty="0">
+                <a:solidFill>
+                  <a:srgbClr val="D1D5DB"/>
+                </a:solidFill>
+                <a:effectLst/>
+                <a:latin typeface="Söhne"/>
+              </a:rPr>
+              <a:t>: Successivamente, i </a:t>
+            </a:r>
+            <a:r>
+              <a:rPr lang="it-IT" b="0" i="0" dirty="0" err="1">
+                <a:solidFill>
+                  <a:srgbClr val="D1D5DB"/>
+                </a:solidFill>
+                <a:effectLst/>
+                <a:latin typeface="Söhne"/>
+              </a:rPr>
+              <a:t>pre-miRNA</a:t>
+            </a:r>
+            <a:r>
+              <a:rPr lang="it-IT" b="0" i="0" dirty="0">
+                <a:solidFill>
+                  <a:srgbClr val="D1D5DB"/>
+                </a:solidFill>
+                <a:effectLst/>
+                <a:latin typeface="Söhne"/>
+              </a:rPr>
+              <a:t> vengono esportati dal nucleo al citoplasma.</a:t>
+            </a:r>
+          </a:p>
+          <a:p>
+            <a:pPr algn="l">
+              <a:buFont typeface="+mj-lt"/>
+              <a:buAutoNum type="arabicPeriod"/>
+            </a:pPr>
+            <a:r>
+              <a:rPr lang="it-IT" b="1" i="0" dirty="0">
+                <a:solidFill>
+                  <a:srgbClr val="D1D5DB"/>
+                </a:solidFill>
+                <a:effectLst/>
+                <a:latin typeface="Söhne"/>
+              </a:rPr>
+              <a:t>Processamento da </a:t>
+            </a:r>
+            <a:r>
+              <a:rPr lang="it-IT" b="1" i="0" dirty="0" err="1">
+                <a:solidFill>
+                  <a:srgbClr val="D1D5DB"/>
+                </a:solidFill>
+                <a:effectLst/>
+                <a:latin typeface="Söhne"/>
+              </a:rPr>
+              <a:t>Dicer</a:t>
+            </a:r>
+            <a:r>
+              <a:rPr lang="it-IT" b="0" i="0" dirty="0">
+                <a:solidFill>
+                  <a:srgbClr val="D1D5DB"/>
+                </a:solidFill>
+                <a:effectLst/>
+                <a:latin typeface="Söhne"/>
+              </a:rPr>
+              <a:t>: Una volta nel citoplasma, i </a:t>
+            </a:r>
+            <a:r>
+              <a:rPr lang="it-IT" b="0" i="0" dirty="0" err="1">
+                <a:solidFill>
+                  <a:srgbClr val="D1D5DB"/>
+                </a:solidFill>
+                <a:effectLst/>
+                <a:latin typeface="Söhne"/>
+              </a:rPr>
+              <a:t>pre-miRNA</a:t>
+            </a:r>
+            <a:r>
+              <a:rPr lang="it-IT" b="0" i="0" dirty="0">
+                <a:solidFill>
+                  <a:srgbClr val="D1D5DB"/>
+                </a:solidFill>
+                <a:effectLst/>
+                <a:latin typeface="Söhne"/>
+              </a:rPr>
+              <a:t> sono ulteriormente processati dall'enzima </a:t>
+            </a:r>
+            <a:r>
+              <a:rPr lang="it-IT" b="0" i="0" dirty="0" err="1">
+                <a:solidFill>
+                  <a:srgbClr val="D1D5DB"/>
+                </a:solidFill>
+                <a:effectLst/>
+                <a:latin typeface="Söhne"/>
+              </a:rPr>
+              <a:t>Dicer</a:t>
+            </a:r>
+            <a:r>
+              <a:rPr lang="it-IT" b="0" i="0" dirty="0">
+                <a:solidFill>
+                  <a:srgbClr val="D1D5DB"/>
+                </a:solidFill>
+                <a:effectLst/>
+                <a:latin typeface="Söhne"/>
+              </a:rPr>
+              <a:t> in frammenti di RNA a doppio filamento ancora più piccoli.</a:t>
+            </a:r>
+          </a:p>
+          <a:p>
+            <a:pPr algn="l">
+              <a:buFont typeface="+mj-lt"/>
+              <a:buAutoNum type="arabicPeriod"/>
+            </a:pPr>
+            <a:r>
+              <a:rPr lang="it-IT" b="1" i="0" dirty="0">
+                <a:solidFill>
+                  <a:srgbClr val="D1D5DB"/>
+                </a:solidFill>
+                <a:effectLst/>
+                <a:latin typeface="Söhne"/>
+              </a:rPr>
+              <a:t>Formazione del RISC</a:t>
+            </a:r>
+            <a:r>
+              <a:rPr lang="it-IT" b="0" i="0" dirty="0">
+                <a:solidFill>
+                  <a:srgbClr val="D1D5DB"/>
+                </a:solidFill>
+                <a:effectLst/>
+                <a:latin typeface="Söhne"/>
+              </a:rPr>
+              <a:t>: Uno dei due filamenti, contenente il </a:t>
+            </a:r>
+            <a:r>
+              <a:rPr lang="it-IT" b="0" i="0" dirty="0" err="1">
+                <a:solidFill>
+                  <a:srgbClr val="D1D5DB"/>
+                </a:solidFill>
+                <a:effectLst/>
+                <a:latin typeface="Söhne"/>
+              </a:rPr>
+              <a:t>miRNA</a:t>
+            </a:r>
+            <a:r>
+              <a:rPr lang="it-IT" b="0" i="0" dirty="0">
+                <a:solidFill>
+                  <a:srgbClr val="D1D5DB"/>
+                </a:solidFill>
+                <a:effectLst/>
+                <a:latin typeface="Söhne"/>
+              </a:rPr>
+              <a:t> maturo, viene poi incorporato nel complesso RISC (RNA-</a:t>
+            </a:r>
+            <a:r>
+              <a:rPr lang="it-IT" b="0" i="0" dirty="0" err="1">
+                <a:solidFill>
+                  <a:srgbClr val="D1D5DB"/>
+                </a:solidFill>
+                <a:effectLst/>
+                <a:latin typeface="Söhne"/>
+              </a:rPr>
+              <a:t>induced</a:t>
+            </a:r>
+            <a:r>
+              <a:rPr lang="it-IT" b="0" i="0" dirty="0">
+                <a:solidFill>
+                  <a:srgbClr val="D1D5DB"/>
+                </a:solidFill>
+                <a:effectLst/>
+                <a:latin typeface="Söhne"/>
+              </a:rPr>
+              <a:t> </a:t>
+            </a:r>
+            <a:r>
+              <a:rPr lang="it-IT" b="0" i="0" dirty="0" err="1">
+                <a:solidFill>
+                  <a:srgbClr val="D1D5DB"/>
+                </a:solidFill>
+                <a:effectLst/>
+                <a:latin typeface="Söhne"/>
+              </a:rPr>
+              <a:t>silencing</a:t>
+            </a:r>
+            <a:r>
+              <a:rPr lang="it-IT" b="0" i="0" dirty="0">
+                <a:solidFill>
+                  <a:srgbClr val="D1D5DB"/>
+                </a:solidFill>
+                <a:effectLst/>
+                <a:latin typeface="Söhne"/>
+              </a:rPr>
+              <a:t> </a:t>
+            </a:r>
+            <a:r>
+              <a:rPr lang="it-IT" b="0" i="0" dirty="0" err="1">
+                <a:solidFill>
+                  <a:srgbClr val="D1D5DB"/>
+                </a:solidFill>
+                <a:effectLst/>
+                <a:latin typeface="Söhne"/>
+              </a:rPr>
+              <a:t>complex</a:t>
+            </a:r>
+            <a:r>
+              <a:rPr lang="it-IT" b="0" i="0" dirty="0">
+                <a:solidFill>
+                  <a:srgbClr val="D1D5DB"/>
+                </a:solidFill>
+                <a:effectLst/>
+                <a:latin typeface="Söhne"/>
+              </a:rPr>
+              <a:t>).</a:t>
+            </a:r>
+          </a:p>
+          <a:p>
+            <a:pPr algn="l">
+              <a:buFont typeface="+mj-lt"/>
+              <a:buAutoNum type="arabicPeriod"/>
+            </a:pPr>
+            <a:r>
+              <a:rPr lang="it-IT" b="1" i="0" dirty="0">
+                <a:solidFill>
+                  <a:srgbClr val="D1D5DB"/>
+                </a:solidFill>
+                <a:effectLst/>
+                <a:latin typeface="Söhne"/>
+              </a:rPr>
+              <a:t>Repressione della Traduzione</a:t>
+            </a:r>
+            <a:r>
+              <a:rPr lang="it-IT" b="0" i="0" dirty="0">
+                <a:solidFill>
+                  <a:srgbClr val="D1D5DB"/>
+                </a:solidFill>
+                <a:effectLst/>
+                <a:latin typeface="Söhne"/>
+              </a:rPr>
+              <a:t>: Il </a:t>
+            </a:r>
+            <a:r>
+              <a:rPr lang="it-IT" b="0" i="0" dirty="0" err="1">
+                <a:solidFill>
+                  <a:srgbClr val="D1D5DB"/>
+                </a:solidFill>
+                <a:effectLst/>
+                <a:latin typeface="Söhne"/>
+              </a:rPr>
+              <a:t>miRNA</a:t>
+            </a:r>
+            <a:r>
+              <a:rPr lang="it-IT" b="0" i="0" dirty="0">
+                <a:solidFill>
+                  <a:srgbClr val="D1D5DB"/>
+                </a:solidFill>
+                <a:effectLst/>
+                <a:latin typeface="Söhne"/>
+              </a:rPr>
+              <a:t> maturo all'interno del RISC può ora legarsi a mRNA bersaglio complementari e reprimere la loro traduzione, impedendo la produzione di proteine.</a:t>
+            </a:r>
+          </a:p>
+          <a:p>
+            <a:endParaRPr lang="en-US" dirty="0"/>
+          </a:p>
+        </p:txBody>
+      </p:sp>
+      <p:sp>
+        <p:nvSpPr>
+          <p:cNvPr id="4" name="Segnaposto numero diapositiva 3"/>
+          <p:cNvSpPr>
+            <a:spLocks noGrp="1"/>
+          </p:cNvSpPr>
+          <p:nvPr>
+            <p:ph type="sldNum" sz="quarter" idx="5"/>
+          </p:nvPr>
+        </p:nvSpPr>
+        <p:spPr/>
+        <p:txBody>
+          <a:bodyPr/>
+          <a:lstStyle/>
+          <a:p>
+            <a:pPr>
+              <a:defRPr/>
+            </a:pPr>
+            <a:fld id="{655940AD-DE91-3047-9CD5-EF2EC3B3C9FF}" type="slidenum">
+              <a:rPr lang="it-IT" altLang="it-IT" smtClean="0"/>
+              <a:pPr>
+                <a:defRPr/>
+              </a:pPr>
+              <a:t>6</a:t>
+            </a:fld>
+            <a:endParaRPr lang="it-IT" altLang="it-IT"/>
+          </a:p>
+        </p:txBody>
+      </p:sp>
+    </p:spTree>
+    <p:extLst>
+      <p:ext uri="{BB962C8B-B14F-4D97-AF65-F5344CB8AC3E}">
+        <p14:creationId xmlns:p14="http://schemas.microsoft.com/office/powerpoint/2010/main" val="3867014612"/>
+      </p:ext>
+    </p:extLst>
+  </p:cSld>
+  <p:clrMapOvr>
+    <a:masterClrMapping/>
+  </p:clrMapOvr>
+</p:notes>
+</file>
+
+<file path=ppt/notesSlides/notesSlide5.xml><?xml version="1.0" encoding="utf-8"?>
+<p:notes xmlns:a="http://schemas.openxmlformats.org/drawingml/2006/main" xmlns:r="http://schemas.openxmlformats.org/officeDocument/2006/relationships" xmlns:p="http://schemas.openxmlformats.org/presentationml/2006/main">
+  <p:cSld>
+    <p:spTree>
+      <p:nvGrpSpPr>
+        <p:cNvPr id="1" name=""/>
+        <p:cNvGrpSpPr/>
+        <p:nvPr/>
+      </p:nvGrpSpPr>
+      <p:grpSpPr>
+        <a:xfrm>
+          <a:off x="0" y="0"/>
+          <a:ext cx="0" cy="0"/>
+          <a:chOff x="0" y="0"/>
+          <a:chExt cx="0" cy="0"/>
+        </a:xfrm>
+      </p:grpSpPr>
+      <p:sp>
+        <p:nvSpPr>
+          <p:cNvPr id="2" name="Segnaposto immagine diapositiva 1"/>
+          <p:cNvSpPr>
+            <a:spLocks noGrp="1" noRot="1" noChangeAspect="1"/>
+          </p:cNvSpPr>
+          <p:nvPr>
+            <p:ph type="sldImg"/>
+          </p:nvPr>
+        </p:nvSpPr>
+        <p:spPr/>
+      </p:sp>
+      <p:sp>
+        <p:nvSpPr>
+          <p:cNvPr id="3" name="Segnaposto note 2"/>
+          <p:cNvSpPr>
+            <a:spLocks noGrp="1"/>
+          </p:cNvSpPr>
+          <p:nvPr>
+            <p:ph type="body" idx="1"/>
+          </p:nvPr>
+        </p:nvSpPr>
+        <p:spPr/>
+        <p:txBody>
+          <a:bodyPr/>
+          <a:lstStyle/>
+          <a:p>
+            <a:pPr algn="l">
+              <a:buFont typeface="+mj-lt"/>
+              <a:buAutoNum type="arabicPeriod"/>
+            </a:pPr>
+            <a:r>
+              <a:rPr lang="it-IT" b="1" i="0" dirty="0">
+                <a:solidFill>
+                  <a:srgbClr val="D1D5DB"/>
+                </a:solidFill>
+                <a:effectLst/>
+                <a:latin typeface="Söhne"/>
+              </a:rPr>
+              <a:t>Silenziamento dell'mRNA</a:t>
+            </a:r>
+            <a:r>
+              <a:rPr lang="it-IT" b="0" i="0" dirty="0">
+                <a:solidFill>
+                  <a:srgbClr val="D1D5DB"/>
+                </a:solidFill>
+                <a:effectLst/>
+                <a:latin typeface="Söhne"/>
+              </a:rPr>
+              <a:t>: I </a:t>
+            </a:r>
+            <a:r>
+              <a:rPr lang="it-IT" b="0" i="0" dirty="0" err="1">
+                <a:solidFill>
+                  <a:srgbClr val="D1D5DB"/>
+                </a:solidFill>
+                <a:effectLst/>
+                <a:latin typeface="Söhne"/>
+              </a:rPr>
+              <a:t>miRNA</a:t>
+            </a:r>
+            <a:r>
+              <a:rPr lang="it-IT" b="0" i="0" dirty="0">
+                <a:solidFill>
+                  <a:srgbClr val="D1D5DB"/>
+                </a:solidFill>
+                <a:effectLst/>
+                <a:latin typeface="Söhne"/>
+              </a:rPr>
+              <a:t> maturo all'interno del RISC si legano a siti complementari sull'mRNA target, il che può portare al silenziamento dell'espressione genica dell'mRNA. Il silenziamento può avvenire tramite l'inibizione della traduzione dell'mRNA in proteina o tramite la degradazione dell'mRNA.</a:t>
+            </a:r>
+          </a:p>
+          <a:p>
+            <a:pPr algn="l">
+              <a:buFont typeface="+mj-lt"/>
+              <a:buAutoNum type="arabicPeriod"/>
+            </a:pPr>
+            <a:r>
+              <a:rPr lang="it-IT" b="1" i="0" dirty="0">
+                <a:solidFill>
+                  <a:srgbClr val="D1D5DB"/>
+                </a:solidFill>
+                <a:effectLst/>
+                <a:latin typeface="Söhne"/>
+              </a:rPr>
+              <a:t>Appaiamento Imperfetto</a:t>
+            </a:r>
+            <a:r>
+              <a:rPr lang="it-IT" b="0" i="0" dirty="0">
+                <a:solidFill>
+                  <a:srgbClr val="D1D5DB"/>
+                </a:solidFill>
+                <a:effectLst/>
+                <a:latin typeface="Söhne"/>
+              </a:rPr>
+              <a:t>: L'appaiamento tra </a:t>
+            </a:r>
+            <a:r>
+              <a:rPr lang="it-IT" b="0" i="0" dirty="0" err="1">
+                <a:solidFill>
+                  <a:srgbClr val="D1D5DB"/>
+                </a:solidFill>
+                <a:effectLst/>
+                <a:latin typeface="Söhne"/>
+              </a:rPr>
+              <a:t>miRNA</a:t>
+            </a:r>
+            <a:r>
+              <a:rPr lang="it-IT" b="0" i="0" dirty="0">
+                <a:solidFill>
+                  <a:srgbClr val="D1D5DB"/>
+                </a:solidFill>
+                <a:effectLst/>
+                <a:latin typeface="Söhne"/>
+              </a:rPr>
+              <a:t> e mRNA non è necessariamente perfetto. Può presentare </a:t>
+            </a:r>
+            <a:r>
+              <a:rPr lang="it-IT" b="0" i="0" dirty="0" err="1">
+                <a:solidFill>
+                  <a:srgbClr val="D1D5DB"/>
+                </a:solidFill>
+                <a:effectLst/>
+                <a:latin typeface="Söhne"/>
+              </a:rPr>
+              <a:t>bulge</a:t>
+            </a:r>
+            <a:r>
+              <a:rPr lang="it-IT" b="0" i="0" dirty="0">
+                <a:solidFill>
+                  <a:srgbClr val="D1D5DB"/>
+                </a:solidFill>
+                <a:effectLst/>
+                <a:latin typeface="Söhne"/>
+              </a:rPr>
+              <a:t> (protrusioni di nucleotidi non appaiati) o loop, che sono anse create da appaiamenti non contigui. Questa imperfezione è normale e fa parte del meccanismo naturale che consente a un singolo </a:t>
+            </a:r>
+            <a:r>
+              <a:rPr lang="it-IT" b="0" i="0" dirty="0" err="1">
+                <a:solidFill>
+                  <a:srgbClr val="D1D5DB"/>
+                </a:solidFill>
+                <a:effectLst/>
+                <a:latin typeface="Söhne"/>
+              </a:rPr>
+              <a:t>miRNA</a:t>
+            </a:r>
+            <a:r>
+              <a:rPr lang="it-IT" b="0" i="0" dirty="0">
+                <a:solidFill>
+                  <a:srgbClr val="D1D5DB"/>
+                </a:solidFill>
+                <a:effectLst/>
+                <a:latin typeface="Söhne"/>
+              </a:rPr>
+              <a:t> di mirare a più mRNA differenti.</a:t>
+            </a:r>
+          </a:p>
+          <a:p>
+            <a:pPr algn="l">
+              <a:buFont typeface="+mj-lt"/>
+              <a:buAutoNum type="arabicPeriod"/>
+            </a:pPr>
+            <a:r>
+              <a:rPr lang="it-IT" b="1" i="0" dirty="0">
+                <a:solidFill>
+                  <a:srgbClr val="D1D5DB"/>
+                </a:solidFill>
+                <a:effectLst/>
+                <a:latin typeface="Söhne"/>
+              </a:rPr>
+              <a:t>Regolarità nel Silenziamento</a:t>
+            </a:r>
+            <a:r>
+              <a:rPr lang="it-IT" b="0" i="0" dirty="0">
+                <a:solidFill>
+                  <a:srgbClr val="D1D5DB"/>
+                </a:solidFill>
+                <a:effectLst/>
+                <a:latin typeface="Söhne"/>
+              </a:rPr>
+              <a:t>: Studi sperimentali hanno mostrato che ci sono certe regolarità nell'appaiamento dei </a:t>
+            </a:r>
+            <a:r>
+              <a:rPr lang="it-IT" b="0" i="0" dirty="0" err="1">
+                <a:solidFill>
+                  <a:srgbClr val="D1D5DB"/>
+                </a:solidFill>
+                <a:effectLst/>
+                <a:latin typeface="Söhne"/>
+              </a:rPr>
+              <a:t>miRNA</a:t>
+            </a:r>
+            <a:r>
+              <a:rPr lang="it-IT" b="0" i="0" dirty="0">
+                <a:solidFill>
+                  <a:srgbClr val="D1D5DB"/>
+                </a:solidFill>
+                <a:effectLst/>
+                <a:latin typeface="Söhne"/>
+              </a:rPr>
+              <a:t> con i loro target. Queste regolarità possono includere la presenza di specifiche sequenze nucleotidiche o strutture che i </a:t>
+            </a:r>
+            <a:r>
+              <a:rPr lang="it-IT" b="0" i="0" dirty="0" err="1">
+                <a:solidFill>
+                  <a:srgbClr val="D1D5DB"/>
+                </a:solidFill>
+                <a:effectLst/>
+                <a:latin typeface="Söhne"/>
+              </a:rPr>
+              <a:t>miRNA</a:t>
+            </a:r>
+            <a:r>
+              <a:rPr lang="it-IT" b="0" i="0" dirty="0">
+                <a:solidFill>
+                  <a:srgbClr val="D1D5DB"/>
+                </a:solidFill>
+                <a:effectLst/>
+                <a:latin typeface="Söhne"/>
+              </a:rPr>
+              <a:t> riconoscono e legano più efficacemente.</a:t>
+            </a:r>
+          </a:p>
+          <a:p>
+            <a:endParaRPr lang="en-US" dirty="0"/>
+          </a:p>
+        </p:txBody>
+      </p:sp>
+      <p:sp>
+        <p:nvSpPr>
+          <p:cNvPr id="4" name="Segnaposto numero diapositiva 3"/>
+          <p:cNvSpPr>
+            <a:spLocks noGrp="1"/>
+          </p:cNvSpPr>
+          <p:nvPr>
+            <p:ph type="sldNum" sz="quarter" idx="5"/>
+          </p:nvPr>
+        </p:nvSpPr>
+        <p:spPr/>
+        <p:txBody>
+          <a:bodyPr/>
+          <a:lstStyle/>
+          <a:p>
+            <a:pPr>
+              <a:defRPr/>
+            </a:pPr>
+            <a:fld id="{655940AD-DE91-3047-9CD5-EF2EC3B3C9FF}" type="slidenum">
+              <a:rPr lang="it-IT" altLang="it-IT" smtClean="0"/>
+              <a:pPr>
+                <a:defRPr/>
+              </a:pPr>
+              <a:t>7</a:t>
+            </a:fld>
+            <a:endParaRPr lang="it-IT" altLang="it-IT"/>
+          </a:p>
+        </p:txBody>
+      </p:sp>
+    </p:spTree>
+    <p:extLst>
+      <p:ext uri="{BB962C8B-B14F-4D97-AF65-F5344CB8AC3E}">
+        <p14:creationId xmlns:p14="http://schemas.microsoft.com/office/powerpoint/2010/main" val="2443451171"/>
+      </p:ext>
+    </p:extLst>
+  </p:cSld>
+  <p:clrMapOvr>
+    <a:masterClrMapping/>
+  </p:clrMapOvr>
+</p:notes>
+</file>
+
+<file path=ppt/notesSlides/notesSlide6.xml><?xml version="1.0" encoding="utf-8"?>
+<p:notes xmlns:a="http://schemas.openxmlformats.org/drawingml/2006/main" xmlns:r="http://schemas.openxmlformats.org/officeDocument/2006/relationships" xmlns:p="http://schemas.openxmlformats.org/presentationml/2006/main">
+  <p:cSld>
+    <p:spTree>
+      <p:nvGrpSpPr>
+        <p:cNvPr id="1" name=""/>
+        <p:cNvGrpSpPr/>
+        <p:nvPr/>
+      </p:nvGrpSpPr>
+      <p:grpSpPr>
+        <a:xfrm>
+          <a:off x="0" y="0"/>
+          <a:ext cx="0" cy="0"/>
+          <a:chOff x="0" y="0"/>
+          <a:chExt cx="0" cy="0"/>
+        </a:xfrm>
+      </p:grpSpPr>
+      <p:sp>
+        <p:nvSpPr>
+          <p:cNvPr id="2" name="Segnaposto immagine diapositiva 1"/>
+          <p:cNvSpPr>
+            <a:spLocks noGrp="1" noRot="1" noChangeAspect="1"/>
+          </p:cNvSpPr>
+          <p:nvPr>
+            <p:ph type="sldImg"/>
+          </p:nvPr>
+        </p:nvSpPr>
+        <p:spPr/>
+      </p:sp>
+      <p:sp>
+        <p:nvSpPr>
+          <p:cNvPr id="3" name="Segnaposto note 2"/>
+          <p:cNvSpPr>
+            <a:spLocks noGrp="1"/>
+          </p:cNvSpPr>
+          <p:nvPr>
+            <p:ph type="body" idx="1"/>
+          </p:nvPr>
+        </p:nvSpPr>
+        <p:spPr/>
+        <p:txBody>
+          <a:bodyPr/>
+          <a:lstStyle/>
+          <a:p>
+            <a:r>
+              <a:rPr lang="it-IT" b="1" i="0" dirty="0">
+                <a:effectLst/>
+                <a:latin typeface="Söhne"/>
+              </a:rPr>
+              <a:t>Regione </a:t>
+            </a:r>
+            <a:r>
+              <a:rPr lang="it-IT" b="1" i="0" dirty="0" err="1">
+                <a:effectLst/>
+                <a:latin typeface="Söhne"/>
+              </a:rPr>
+              <a:t>Seed</a:t>
+            </a:r>
+            <a:r>
+              <a:rPr lang="it-IT" b="0" i="0" dirty="0">
+                <a:solidFill>
+                  <a:srgbClr val="D1D5DB"/>
+                </a:solidFill>
+                <a:effectLst/>
+                <a:latin typeface="Söhne"/>
+              </a:rPr>
+              <a:t>: La regione iniziale del </a:t>
+            </a:r>
+            <a:r>
+              <a:rPr lang="it-IT" b="0" i="0" dirty="0" err="1">
+                <a:solidFill>
+                  <a:srgbClr val="D1D5DB"/>
+                </a:solidFill>
+                <a:effectLst/>
+                <a:latin typeface="Söhne"/>
+              </a:rPr>
+              <a:t>miRNA</a:t>
+            </a:r>
+            <a:r>
+              <a:rPr lang="it-IT" b="0" i="0" dirty="0">
+                <a:solidFill>
+                  <a:srgbClr val="D1D5DB"/>
+                </a:solidFill>
+                <a:effectLst/>
+                <a:latin typeface="Söhne"/>
+              </a:rPr>
+              <a:t>, nota come '</a:t>
+            </a:r>
+            <a:r>
+              <a:rPr lang="it-IT" b="0" i="0" dirty="0" err="1">
+                <a:solidFill>
+                  <a:srgbClr val="D1D5DB"/>
+                </a:solidFill>
+                <a:effectLst/>
+                <a:latin typeface="Söhne"/>
+              </a:rPr>
+              <a:t>seed</a:t>
+            </a:r>
+            <a:r>
+              <a:rPr lang="it-IT" b="0" i="0" dirty="0">
+                <a:solidFill>
+                  <a:srgbClr val="D1D5DB"/>
+                </a:solidFill>
+                <a:effectLst/>
+                <a:latin typeface="Söhne"/>
+              </a:rPr>
+              <a:t>', è cruciale per il riconoscimento e il legame con il mRNA target. Questa regione è tipicamente lunga dai 7 ai 10 nucleotidi e si appaia in modo perfettamente complementare con la sequenza corrispondente sull'mRNA. L'appaiamento preciso della regione </a:t>
+            </a:r>
+            <a:r>
+              <a:rPr lang="it-IT" b="0" i="0" dirty="0" err="1">
+                <a:solidFill>
+                  <a:srgbClr val="D1D5DB"/>
+                </a:solidFill>
+                <a:effectLst/>
+                <a:latin typeface="Söhne"/>
+              </a:rPr>
+              <a:t>seed</a:t>
+            </a:r>
+            <a:r>
+              <a:rPr lang="it-IT" b="0" i="0" dirty="0">
+                <a:solidFill>
+                  <a:srgbClr val="D1D5DB"/>
+                </a:solidFill>
+                <a:effectLst/>
+                <a:latin typeface="Söhne"/>
+              </a:rPr>
+              <a:t> è un fattore chiave per l'efficacia del silenziamento genico.</a:t>
+            </a:r>
+          </a:p>
+          <a:p>
+            <a:r>
+              <a:rPr lang="it-IT" b="1" i="0" dirty="0">
+                <a:effectLst/>
+                <a:latin typeface="Söhne"/>
+              </a:rPr>
+              <a:t>Flessibilità del Primo Nucleotide</a:t>
+            </a:r>
+            <a:r>
+              <a:rPr lang="it-IT" b="0" i="0" dirty="0">
+                <a:solidFill>
+                  <a:srgbClr val="D1D5DB"/>
+                </a:solidFill>
+                <a:effectLst/>
+                <a:latin typeface="Söhne"/>
+              </a:rPr>
+              <a:t>: Il primo nucleotide del </a:t>
+            </a:r>
+            <a:r>
+              <a:rPr lang="it-IT" b="0" i="0" dirty="0" err="1">
+                <a:solidFill>
+                  <a:srgbClr val="D1D5DB"/>
+                </a:solidFill>
+                <a:effectLst/>
+                <a:latin typeface="Söhne"/>
+              </a:rPr>
+              <a:t>miRNA</a:t>
+            </a:r>
+            <a:r>
+              <a:rPr lang="it-IT" b="0" i="0" dirty="0">
+                <a:solidFill>
+                  <a:srgbClr val="D1D5DB"/>
+                </a:solidFill>
+                <a:effectLst/>
+                <a:latin typeface="Söhne"/>
+              </a:rPr>
+              <a:t> non è cruciale per l'appaiamento e può anche non essere appaiato. Questo offre una certa flessibilità nel riconoscimento del target.</a:t>
+            </a:r>
+            <a:endParaRPr lang="en-US" dirty="0"/>
+          </a:p>
+        </p:txBody>
+      </p:sp>
+      <p:sp>
+        <p:nvSpPr>
+          <p:cNvPr id="4" name="Segnaposto numero diapositiva 3"/>
+          <p:cNvSpPr>
+            <a:spLocks noGrp="1"/>
+          </p:cNvSpPr>
+          <p:nvPr>
+            <p:ph type="sldNum" sz="quarter" idx="5"/>
+          </p:nvPr>
+        </p:nvSpPr>
+        <p:spPr/>
+        <p:txBody>
+          <a:bodyPr/>
+          <a:lstStyle/>
+          <a:p>
+            <a:pPr>
+              <a:defRPr/>
+            </a:pPr>
+            <a:fld id="{655940AD-DE91-3047-9CD5-EF2EC3B3C9FF}" type="slidenum">
+              <a:rPr lang="it-IT" altLang="it-IT" smtClean="0"/>
+              <a:pPr>
+                <a:defRPr/>
+              </a:pPr>
+              <a:t>8</a:t>
+            </a:fld>
+            <a:endParaRPr lang="it-IT" altLang="it-IT"/>
+          </a:p>
+        </p:txBody>
+      </p:sp>
+    </p:spTree>
+    <p:extLst>
+      <p:ext uri="{BB962C8B-B14F-4D97-AF65-F5344CB8AC3E}">
+        <p14:creationId xmlns:p14="http://schemas.microsoft.com/office/powerpoint/2010/main" val="2298207705"/>
+      </p:ext>
+    </p:extLst>
+  </p:cSld>
+  <p:clrMapOvr>
+    <a:masterClrMapping/>
+  </p:clrMapOvr>
+</p:notes>
+</file>
+
+<file path=ppt/notesSlides/notesSlide7.xml><?xml version="1.0" encoding="utf-8"?>
+<p:notes xmlns:a="http://schemas.openxmlformats.org/drawingml/2006/main" xmlns:r="http://schemas.openxmlformats.org/officeDocument/2006/relationships" xmlns:p="http://schemas.openxmlformats.org/presentationml/2006/main">
+  <p:cSld>
+    <p:spTree>
+      <p:nvGrpSpPr>
+        <p:cNvPr id="1" name=""/>
+        <p:cNvGrpSpPr/>
+        <p:nvPr/>
+      </p:nvGrpSpPr>
+      <p:grpSpPr>
+        <a:xfrm>
+          <a:off x="0" y="0"/>
+          <a:ext cx="0" cy="0"/>
+          <a:chOff x="0" y="0"/>
+          <a:chExt cx="0" cy="0"/>
+        </a:xfrm>
+      </p:grpSpPr>
+      <p:sp>
+        <p:nvSpPr>
+          <p:cNvPr id="2" name="Segnaposto immagine diapositiva 1"/>
+          <p:cNvSpPr>
+            <a:spLocks noGrp="1" noRot="1" noChangeAspect="1"/>
+          </p:cNvSpPr>
+          <p:nvPr>
+            <p:ph type="sldImg"/>
+          </p:nvPr>
+        </p:nvSpPr>
+        <p:spPr/>
+      </p:sp>
+      <p:sp>
+        <p:nvSpPr>
+          <p:cNvPr id="3" name="Segnaposto note 2"/>
+          <p:cNvSpPr>
+            <a:spLocks noGrp="1"/>
+          </p:cNvSpPr>
+          <p:nvPr>
+            <p:ph type="body" idx="1"/>
+          </p:nvPr>
+        </p:nvSpPr>
+        <p:spPr/>
+        <p:txBody>
+          <a:bodyPr/>
+          <a:lstStyle/>
+          <a:p>
+            <a:r>
+              <a:rPr lang="it-IT" b="1" i="0" dirty="0" err="1">
+                <a:effectLst/>
+                <a:latin typeface="Söhne"/>
+              </a:rPr>
+              <a:t>Bulge</a:t>
+            </a:r>
+            <a:r>
+              <a:rPr lang="it-IT" b="1" i="0" dirty="0">
+                <a:effectLst/>
+                <a:latin typeface="Söhne"/>
+              </a:rPr>
+              <a:t> e Loop</a:t>
+            </a:r>
+            <a:r>
+              <a:rPr lang="it-IT" b="0" i="0" dirty="0">
+                <a:solidFill>
+                  <a:srgbClr val="D1D5DB"/>
+                </a:solidFill>
+                <a:effectLst/>
+                <a:latin typeface="Söhne"/>
+              </a:rPr>
+              <a:t>: Dopo la regione </a:t>
+            </a:r>
+            <a:r>
+              <a:rPr lang="it-IT" b="0" i="0" dirty="0" err="1">
+                <a:solidFill>
+                  <a:srgbClr val="D1D5DB"/>
+                </a:solidFill>
+                <a:effectLst/>
+                <a:latin typeface="Söhne"/>
+              </a:rPr>
+              <a:t>seed</a:t>
+            </a:r>
+            <a:r>
+              <a:rPr lang="it-IT" b="0" i="0" dirty="0">
+                <a:solidFill>
+                  <a:srgbClr val="D1D5DB"/>
+                </a:solidFill>
+                <a:effectLst/>
+                <a:latin typeface="Söhne"/>
+              </a:rPr>
+              <a:t>, è comune trovare un </a:t>
+            </a:r>
+            <a:r>
+              <a:rPr lang="it-IT" b="0" i="0" dirty="0" err="1">
+                <a:solidFill>
+                  <a:srgbClr val="D1D5DB"/>
+                </a:solidFill>
+                <a:effectLst/>
+                <a:latin typeface="Söhne"/>
+              </a:rPr>
+              <a:t>bulge</a:t>
+            </a:r>
+            <a:r>
+              <a:rPr lang="it-IT" b="0" i="0" dirty="0">
+                <a:solidFill>
+                  <a:srgbClr val="D1D5DB"/>
+                </a:solidFill>
+                <a:effectLst/>
+                <a:latin typeface="Söhne"/>
+              </a:rPr>
+              <a:t> o un loop, che sono risultati dell'appaiamento imperfetto. Questi elementi della struttura secondaria possono influenzare l'affinità e la specificità del </a:t>
+            </a:r>
+            <a:r>
+              <a:rPr lang="it-IT" b="0" i="0" dirty="0" err="1">
+                <a:solidFill>
+                  <a:srgbClr val="D1D5DB"/>
+                </a:solidFill>
+                <a:effectLst/>
+                <a:latin typeface="Söhne"/>
+              </a:rPr>
+              <a:t>miRNA</a:t>
+            </a:r>
+            <a:r>
+              <a:rPr lang="it-IT" b="0" i="0" dirty="0">
+                <a:solidFill>
+                  <a:srgbClr val="D1D5DB"/>
+                </a:solidFill>
+                <a:effectLst/>
+                <a:latin typeface="Söhne"/>
+              </a:rPr>
+              <a:t> per il suo target.</a:t>
+            </a:r>
+          </a:p>
+          <a:p>
+            <a:r>
+              <a:rPr lang="it-IT" b="1" i="0" dirty="0">
+                <a:effectLst/>
+                <a:latin typeface="Söhne"/>
+              </a:rPr>
+              <a:t>Regione 3' del </a:t>
+            </a:r>
+            <a:r>
+              <a:rPr lang="it-IT" b="1" i="0" dirty="0" err="1">
+                <a:effectLst/>
+                <a:latin typeface="Söhne"/>
+              </a:rPr>
+              <a:t>miRNA</a:t>
+            </a:r>
+            <a:r>
+              <a:rPr lang="it-IT" b="0" i="0" dirty="0">
+                <a:solidFill>
+                  <a:srgbClr val="D1D5DB"/>
+                </a:solidFill>
+                <a:effectLst/>
+                <a:latin typeface="Söhne"/>
+              </a:rPr>
+              <a:t>: La complementarità nella regione 3' del </a:t>
+            </a:r>
+            <a:r>
+              <a:rPr lang="it-IT" b="0" i="0" dirty="0" err="1">
+                <a:solidFill>
+                  <a:srgbClr val="D1D5DB"/>
+                </a:solidFill>
+                <a:effectLst/>
+                <a:latin typeface="Söhne"/>
+              </a:rPr>
+              <a:t>miRNA</a:t>
+            </a:r>
+            <a:r>
+              <a:rPr lang="it-IT" b="0" i="0" dirty="0">
+                <a:solidFill>
+                  <a:srgbClr val="D1D5DB"/>
+                </a:solidFill>
+                <a:effectLst/>
+                <a:latin typeface="Söhne"/>
+              </a:rPr>
+              <a:t> rispetto al suo target è solitamente imperfetta. La presenza di coppie G:U (</a:t>
+            </a:r>
+            <a:r>
+              <a:rPr lang="it-IT" b="0" i="0" dirty="0" err="1">
+                <a:solidFill>
+                  <a:srgbClr val="D1D5DB"/>
+                </a:solidFill>
+                <a:effectLst/>
+                <a:latin typeface="Söhne"/>
+              </a:rPr>
+              <a:t>guanina:uracile</a:t>
+            </a:r>
+            <a:r>
+              <a:rPr lang="it-IT" b="0" i="0" dirty="0">
+                <a:solidFill>
+                  <a:srgbClr val="D1D5DB"/>
+                </a:solidFill>
+                <a:effectLst/>
+                <a:latin typeface="Söhne"/>
+              </a:rPr>
+              <a:t>) in questa regione è abbastanza comune e può essere tollerata, anche se tali coppie nella regione </a:t>
+            </a:r>
+            <a:r>
+              <a:rPr lang="it-IT" b="0" i="0" dirty="0" err="1">
+                <a:solidFill>
+                  <a:srgbClr val="D1D5DB"/>
+                </a:solidFill>
+                <a:effectLst/>
+                <a:latin typeface="Söhne"/>
+              </a:rPr>
+              <a:t>seed</a:t>
+            </a:r>
+            <a:r>
+              <a:rPr lang="it-IT" b="0" i="0" dirty="0">
+                <a:solidFill>
+                  <a:srgbClr val="D1D5DB"/>
+                </a:solidFill>
+                <a:effectLst/>
+                <a:latin typeface="Söhne"/>
+              </a:rPr>
+              <a:t> tendono a essere sfavorevoli per il silenziamento.</a:t>
+            </a:r>
+          </a:p>
+          <a:p>
+            <a:r>
+              <a:rPr lang="it-IT" b="1" i="0" dirty="0">
+                <a:effectLst/>
+                <a:latin typeface="Söhne"/>
+              </a:rPr>
+              <a:t>Localizzazione del Sito di Legame</a:t>
+            </a:r>
+            <a:r>
+              <a:rPr lang="it-IT" b="0" i="0" dirty="0">
+                <a:solidFill>
+                  <a:srgbClr val="D1D5DB"/>
+                </a:solidFill>
+                <a:effectLst/>
+                <a:latin typeface="Söhne"/>
+              </a:rPr>
+              <a:t>: I siti di legame per i </a:t>
+            </a:r>
+            <a:r>
+              <a:rPr lang="it-IT" b="0" i="0" dirty="0" err="1">
+                <a:solidFill>
+                  <a:srgbClr val="D1D5DB"/>
+                </a:solidFill>
+                <a:effectLst/>
+                <a:latin typeface="Söhne"/>
+              </a:rPr>
+              <a:t>miRNA</a:t>
+            </a:r>
+            <a:r>
+              <a:rPr lang="it-IT" b="0" i="0" dirty="0">
+                <a:solidFill>
+                  <a:srgbClr val="D1D5DB"/>
+                </a:solidFill>
+                <a:effectLst/>
+                <a:latin typeface="Söhne"/>
+              </a:rPr>
+              <a:t> si trovano generalmente nella regione 3' UTR (</a:t>
+            </a:r>
+            <a:r>
+              <a:rPr lang="it-IT" b="0" i="0" dirty="0" err="1">
+                <a:solidFill>
+                  <a:srgbClr val="D1D5DB"/>
+                </a:solidFill>
+                <a:effectLst/>
+                <a:latin typeface="Söhne"/>
+              </a:rPr>
+              <a:t>untranslated</a:t>
+            </a:r>
+            <a:r>
+              <a:rPr lang="it-IT" b="0" i="0" dirty="0">
+                <a:solidFill>
+                  <a:srgbClr val="D1D5DB"/>
+                </a:solidFill>
+                <a:effectLst/>
+                <a:latin typeface="Söhne"/>
+              </a:rPr>
+              <a:t> </a:t>
+            </a:r>
+            <a:r>
+              <a:rPr lang="it-IT" b="0" i="0" dirty="0" err="1">
+                <a:solidFill>
+                  <a:srgbClr val="D1D5DB"/>
+                </a:solidFill>
+                <a:effectLst/>
+                <a:latin typeface="Söhne"/>
+              </a:rPr>
+              <a:t>region</a:t>
+            </a:r>
+            <a:r>
+              <a:rPr lang="it-IT" b="0" i="0" dirty="0">
+                <a:solidFill>
+                  <a:srgbClr val="D1D5DB"/>
+                </a:solidFill>
+                <a:effectLst/>
+                <a:latin typeface="Söhne"/>
+              </a:rPr>
+              <a:t>) degli mRNA bersaglio, che è la sezione dell'mRNA che segue la regione codificante e che non viene tradotta in proteine.</a:t>
+            </a:r>
+            <a:endParaRPr lang="en-US" dirty="0"/>
+          </a:p>
+        </p:txBody>
+      </p:sp>
+      <p:sp>
+        <p:nvSpPr>
+          <p:cNvPr id="4" name="Segnaposto numero diapositiva 3"/>
+          <p:cNvSpPr>
+            <a:spLocks noGrp="1"/>
+          </p:cNvSpPr>
+          <p:nvPr>
+            <p:ph type="sldNum" sz="quarter" idx="5"/>
+          </p:nvPr>
+        </p:nvSpPr>
+        <p:spPr/>
+        <p:txBody>
+          <a:bodyPr/>
+          <a:lstStyle/>
+          <a:p>
+            <a:pPr>
+              <a:defRPr/>
+            </a:pPr>
+            <a:fld id="{655940AD-DE91-3047-9CD5-EF2EC3B3C9FF}" type="slidenum">
+              <a:rPr lang="it-IT" altLang="it-IT" smtClean="0"/>
+              <a:pPr>
+                <a:defRPr/>
+              </a:pPr>
+              <a:t>9</a:t>
+            </a:fld>
+            <a:endParaRPr lang="it-IT" altLang="it-IT"/>
+          </a:p>
+        </p:txBody>
+      </p:sp>
+    </p:spTree>
+    <p:extLst>
+      <p:ext uri="{BB962C8B-B14F-4D97-AF65-F5344CB8AC3E}">
+        <p14:creationId xmlns:p14="http://schemas.microsoft.com/office/powerpoint/2010/main" val="1598528265"/>
+      </p:ext>
+    </p:extLst>
+  </p:cSld>
+  <p:clrMapOvr>
+    <a:masterClrMapping/>
+  </p:clrMapOvr>
+</p:notes>
+</file>
+
+<file path=ppt/notesSlides/notesSlide8.xml><?xml version="1.0" encoding="utf-8"?>
+<p:notes xmlns:a="http://schemas.openxmlformats.org/drawingml/2006/main" xmlns:r="http://schemas.openxmlformats.org/officeDocument/2006/relationships" xmlns:p="http://schemas.openxmlformats.org/presentationml/2006/main">
+  <p:cSld>
+    <p:spTree>
+      <p:nvGrpSpPr>
+        <p:cNvPr id="1" name=""/>
+        <p:cNvGrpSpPr/>
+        <p:nvPr/>
+      </p:nvGrpSpPr>
+      <p:grpSpPr>
+        <a:xfrm>
+          <a:off x="0" y="0"/>
+          <a:ext cx="0" cy="0"/>
+          <a:chOff x="0" y="0"/>
+          <a:chExt cx="0" cy="0"/>
+        </a:xfrm>
+      </p:grpSpPr>
+      <p:sp>
+        <p:nvSpPr>
+          <p:cNvPr id="2" name="Segnaposto immagine diapositiva 1"/>
+          <p:cNvSpPr>
+            <a:spLocks noGrp="1" noRot="1" noChangeAspect="1"/>
+          </p:cNvSpPr>
+          <p:nvPr>
+            <p:ph type="sldImg"/>
+          </p:nvPr>
+        </p:nvSpPr>
+        <p:spPr/>
+      </p:sp>
+      <p:sp>
+        <p:nvSpPr>
+          <p:cNvPr id="3" name="Segnaposto note 2"/>
+          <p:cNvSpPr>
+            <a:spLocks noGrp="1"/>
+          </p:cNvSpPr>
+          <p:nvPr>
+            <p:ph type="body" idx="1"/>
+          </p:nvPr>
+        </p:nvSpPr>
+        <p:spPr/>
+        <p:txBody>
+          <a:bodyPr/>
+          <a:lstStyle/>
+          <a:p>
+            <a:endParaRPr lang="en-US"/>
+          </a:p>
+        </p:txBody>
+      </p:sp>
+      <p:sp>
+        <p:nvSpPr>
+          <p:cNvPr id="4" name="Segnaposto numero diapositiva 3"/>
+          <p:cNvSpPr>
+            <a:spLocks noGrp="1"/>
+          </p:cNvSpPr>
+          <p:nvPr>
+            <p:ph type="sldNum" sz="quarter" idx="5"/>
+          </p:nvPr>
+        </p:nvSpPr>
+        <p:spPr/>
+        <p:txBody>
+          <a:bodyPr/>
+          <a:lstStyle/>
+          <a:p>
+            <a:pPr>
+              <a:defRPr/>
+            </a:pPr>
+            <a:fld id="{655940AD-DE91-3047-9CD5-EF2EC3B3C9FF}" type="slidenum">
+              <a:rPr lang="it-IT" altLang="it-IT" smtClean="0"/>
+              <a:pPr>
+                <a:defRPr/>
+              </a:pPr>
+              <a:t>10</a:t>
+            </a:fld>
+            <a:endParaRPr lang="it-IT" altLang="it-IT"/>
+          </a:p>
+        </p:txBody>
+      </p:sp>
+    </p:spTree>
+    <p:extLst>
+      <p:ext uri="{BB962C8B-B14F-4D97-AF65-F5344CB8AC3E}">
+        <p14:creationId xmlns:p14="http://schemas.microsoft.com/office/powerpoint/2010/main" val="2511311177"/>
+      </p:ext>
+    </p:extLst>
+  </p:cSld>
+  <p:clrMapOvr>
+    <a:masterClrMapping/>
+  </p:clrMapOvr>
+</p:notes>
 </file>
 
 <file path=ppt/slideLayouts/slideLayout1.xml><?xml version="1.0" encoding="utf-8"?>
@@ -4043,63 +6563,71 @@
           <a:p>
             <a:pPr algn="just" eaLnBrk="1" hangingPunct="1"/>
             <a:r>
-              <a:rPr lang="it-IT" altLang="it-IT" sz="2000"/>
-              <a:t>I miRNA svolgono un ruolo centrale nel controllo di numerosi processi fisiologici:</a:t>
+              <a:rPr lang="it-IT" altLang="it-IT" sz="2000" dirty="0"/>
+              <a:t>I </a:t>
+            </a:r>
+            <a:r>
+              <a:rPr lang="it-IT" altLang="it-IT" sz="2000" dirty="0" err="1"/>
+              <a:t>miRNA</a:t>
+            </a:r>
+            <a:r>
+              <a:rPr lang="it-IT" altLang="it-IT" sz="2000" dirty="0"/>
+              <a:t> svolgono un ruolo centrale nel controllo di numerosi processi fisiologici:</a:t>
             </a:r>
           </a:p>
           <a:p>
             <a:pPr lvl="1" algn="just" eaLnBrk="1" hangingPunct="1"/>
             <a:r>
-              <a:rPr lang="it-IT" altLang="it-IT" sz="1800" b="1"/>
+              <a:rPr lang="it-IT" altLang="it-IT" sz="1800" b="1" dirty="0"/>
               <a:t>Sviluppo</a:t>
             </a:r>
           </a:p>
           <a:p>
             <a:pPr lvl="1" algn="just" eaLnBrk="1" hangingPunct="1"/>
             <a:r>
-              <a:rPr lang="it-IT" altLang="it-IT" sz="1800" b="1"/>
+              <a:rPr lang="it-IT" altLang="it-IT" sz="1800" b="1" dirty="0"/>
               <a:t>Differenziamento cellulare</a:t>
             </a:r>
           </a:p>
           <a:p>
             <a:pPr lvl="1" algn="just" eaLnBrk="1" hangingPunct="1"/>
             <a:r>
-              <a:rPr lang="it-IT" altLang="it-IT" sz="1800" b="1"/>
+              <a:rPr lang="it-IT" altLang="it-IT" sz="1800" b="1" dirty="0"/>
               <a:t>Apoptosi</a:t>
             </a:r>
           </a:p>
           <a:p>
             <a:pPr algn="just" eaLnBrk="1" hangingPunct="1"/>
             <a:r>
-              <a:rPr lang="it-IT" altLang="it-IT" sz="2000"/>
+              <a:rPr lang="it-IT" altLang="it-IT" sz="2000" dirty="0"/>
               <a:t>Aberrazioni nella loro espressione (mancanza, sotto o sovra espressione) sono correlate a diversi tipi di patologie:</a:t>
             </a:r>
           </a:p>
           <a:p>
             <a:pPr lvl="1" algn="just" eaLnBrk="1" hangingPunct="1"/>
             <a:r>
-              <a:rPr lang="it-IT" altLang="it-IT" sz="1800" b="1"/>
+              <a:rPr lang="it-IT" altLang="it-IT" sz="1800" b="1" dirty="0"/>
               <a:t>Cancro</a:t>
             </a:r>
           </a:p>
           <a:p>
             <a:pPr lvl="1" algn="just" eaLnBrk="1" hangingPunct="1"/>
             <a:r>
-              <a:rPr lang="it-IT" altLang="it-IT" sz="1800" b="1"/>
+              <a:rPr lang="it-IT" altLang="it-IT" sz="1800" b="1" dirty="0"/>
               <a:t>Malattie neurodegenerative</a:t>
             </a:r>
           </a:p>
           <a:p>
             <a:pPr lvl="1" algn="just" eaLnBrk="1" hangingPunct="1"/>
             <a:r>
-              <a:rPr lang="it-IT" altLang="it-IT" sz="1800" b="1"/>
+              <a:rPr lang="it-IT" altLang="it-IT" sz="1800" b="1" dirty="0"/>
               <a:t>Malattie cardiache</a:t>
             </a:r>
           </a:p>
           <a:p>
             <a:pPr algn="just" eaLnBrk="1" hangingPunct="1"/>
             <a:r>
-              <a:rPr lang="it-IT" altLang="it-IT" sz="2000"/>
+              <a:rPr lang="it-IT" altLang="it-IT" sz="2000" dirty="0"/>
               <a:t>Si tratta dunque di molecole molto importanti, il cui studio è fondamentale nella comprensione dei processi biologici, dei fenotipi patologici e, di conseguenza, nel design di terapie innovative.</a:t>
             </a:r>
           </a:p>
@@ -14041,37 +16569,69 @@
           <a:p>
             <a:pPr algn="just" eaLnBrk="1" hangingPunct="1"/>
             <a:r>
-              <a:rPr lang="it-IT" altLang="it-IT" sz="2400"/>
-              <a:t>I microRNA (miRNA) sono piccole molecole di RNA in grado di regolare negativamente l</a:t>
-            </a:r>
-            <a:r>
-              <a:rPr lang="ja-JP" altLang="it-IT" sz="2400"/>
+              <a:rPr lang="it-IT" altLang="it-IT" sz="2400" dirty="0"/>
+              <a:t>I microRNA (</a:t>
+            </a:r>
+            <a:r>
+              <a:rPr lang="it-IT" altLang="it-IT" sz="2400" dirty="0" err="1"/>
+              <a:t>miRNA</a:t>
+            </a:r>
+            <a:r>
+              <a:rPr lang="it-IT" altLang="it-IT" sz="2400" dirty="0"/>
+              <a:t>) sono piccole molecole di RNA in grado di regolare negativamente l</a:t>
+            </a:r>
+            <a:r>
+              <a:rPr lang="ja-JP" altLang="it-IT" sz="2400" dirty="0"/>
               <a:t>’</a:t>
             </a:r>
             <a:r>
-              <a:rPr lang="it-IT" altLang="ja-JP" sz="2400"/>
+              <a:rPr lang="it-IT" altLang="ja-JP" sz="2400" dirty="0"/>
               <a:t>espressione di geni target a livello post-trascrizionale.</a:t>
             </a:r>
           </a:p>
           <a:p>
             <a:pPr algn="just" eaLnBrk="1" hangingPunct="1"/>
             <a:r>
-              <a:rPr lang="it-IT" altLang="it-IT" sz="2400"/>
+              <a:rPr lang="it-IT" altLang="it-IT" sz="2400" dirty="0"/>
               <a:t>Sono dei piccoli RNA antisenso che mostrano complementarità parziale (quasi sempre) o totale (più raramente) delle loro basi rispetto a quelle dei loro mRNA bersaglio.</a:t>
             </a:r>
           </a:p>
           <a:p>
             <a:pPr algn="just" eaLnBrk="1" hangingPunct="1"/>
             <a:r>
-              <a:rPr lang="it-IT" altLang="it-IT" sz="2400"/>
-              <a:t>I miRNA sono in grado di impedire la traduzione dei loro target preservandone la stabilità o provocandone la distruzione.</a:t>
+              <a:rPr lang="it-IT" altLang="it-IT" sz="2400" dirty="0"/>
+              <a:t>I </a:t>
+            </a:r>
+            <a:r>
+              <a:rPr lang="it-IT" altLang="it-IT" sz="2400" dirty="0" err="1"/>
+              <a:t>miRNA</a:t>
+            </a:r>
+            <a:r>
+              <a:rPr lang="it-IT" altLang="it-IT" sz="2400" dirty="0"/>
+              <a:t> sono in grado di impedire la traduzione dei loro target preservandone la stabilità o provocandone la distruzione.</a:t>
             </a:r>
           </a:p>
           <a:p>
             <a:pPr algn="just" eaLnBrk="1" hangingPunct="1"/>
             <a:r>
-              <a:rPr lang="it-IT" altLang="it-IT" sz="2400"/>
-              <a:t>Un miRNA può avere più target ed uno stesso mRNA può essere target di diversi miRNA.</a:t>
+              <a:rPr lang="it-IT" altLang="it-IT" sz="2400" dirty="0"/>
+              <a:t>Un </a:t>
+            </a:r>
+            <a:r>
+              <a:rPr lang="it-IT" altLang="it-IT" sz="2400" dirty="0" err="1"/>
+              <a:t>miRNA</a:t>
+            </a:r>
+            <a:r>
+              <a:rPr lang="it-IT" altLang="it-IT" sz="2400" dirty="0"/>
+              <a:t> può avere più target ed uno stesso mRNA può essere target di diversi </a:t>
+            </a:r>
+            <a:r>
+              <a:rPr lang="it-IT" altLang="it-IT" sz="2400" dirty="0" err="1"/>
+              <a:t>miRNA</a:t>
+            </a:r>
+            <a:r>
+              <a:rPr lang="it-IT" altLang="it-IT" sz="2400" dirty="0"/>
+              <a:t>.</a:t>
             </a:r>
           </a:p>
         </p:txBody>
@@ -17095,37 +19655,81 @@
           <a:p>
             <a:pPr algn="just" eaLnBrk="1" hangingPunct="1"/>
             <a:r>
-              <a:rPr lang="it-IT" altLang="it-IT"/>
-              <a:t>I miRNA sono trascritti da particolari sequenze genomiche (geni miRNA) situate di solito in regioni intergeniche o negli introni di altri geni.</a:t>
+              <a:rPr lang="it-IT" altLang="it-IT" dirty="0"/>
+              <a:t>I </a:t>
+            </a:r>
+            <a:r>
+              <a:rPr lang="it-IT" altLang="it-IT" dirty="0" err="1"/>
+              <a:t>miRNA</a:t>
+            </a:r>
+            <a:r>
+              <a:rPr lang="it-IT" altLang="it-IT" dirty="0"/>
+              <a:t> sono trascritti da particolari sequenze genomiche (geni </a:t>
+            </a:r>
+            <a:r>
+              <a:rPr lang="it-IT" altLang="it-IT" dirty="0" err="1"/>
+              <a:t>miRNA</a:t>
+            </a:r>
+            <a:r>
+              <a:rPr lang="it-IT" altLang="it-IT" dirty="0"/>
+              <a:t>) situate di solito in regioni </a:t>
+            </a:r>
+            <a:r>
+              <a:rPr lang="it-IT" altLang="it-IT" dirty="0" err="1"/>
+              <a:t>intergeniche</a:t>
+            </a:r>
+            <a:r>
+              <a:rPr lang="it-IT" altLang="it-IT" dirty="0"/>
+              <a:t> o negli introni di altri geni.</a:t>
             </a:r>
           </a:p>
           <a:p>
             <a:pPr algn="just" eaLnBrk="1" hangingPunct="1"/>
             <a:r>
-              <a:rPr lang="it-IT" altLang="it-IT"/>
-              <a:t>Molti miRNA sono altamente conservati, in specie anche molto lontane tra loro (Es. </a:t>
-            </a:r>
-            <a:r>
-              <a:rPr lang="it-IT" altLang="it-IT" i="1"/>
-              <a:t>Caenorhabditis elegans </a:t>
-            </a:r>
-            <a:r>
-              <a:rPr lang="it-IT" altLang="it-IT"/>
+              <a:rPr lang="it-IT" altLang="it-IT" dirty="0"/>
+              <a:t>Molti </a:t>
+            </a:r>
+            <a:r>
+              <a:rPr lang="it-IT" altLang="it-IT" dirty="0" err="1"/>
+              <a:t>miRNA</a:t>
+            </a:r>
+            <a:r>
+              <a:rPr lang="it-IT" altLang="it-IT" dirty="0"/>
+              <a:t> sono altamente conservati, in specie anche molto lontane tra loro (Es. </a:t>
+            </a:r>
+            <a:r>
+              <a:rPr lang="it-IT" altLang="it-IT" i="1" dirty="0" err="1"/>
+              <a:t>Caenorhabditis</a:t>
+            </a:r>
+            <a:r>
+              <a:rPr lang="it-IT" altLang="it-IT" i="1" dirty="0"/>
+              <a:t> </a:t>
+            </a:r>
+            <a:r>
+              <a:rPr lang="it-IT" altLang="it-IT" i="1" dirty="0" err="1"/>
+              <a:t>elegans</a:t>
+            </a:r>
+            <a:r>
+              <a:rPr lang="it-IT" altLang="it-IT" i="1" dirty="0"/>
+              <a:t> </a:t>
+            </a:r>
+            <a:r>
+              <a:rPr lang="it-IT" altLang="it-IT" dirty="0"/>
               <a:t>e </a:t>
             </a:r>
             <a:r>
-              <a:rPr lang="it-IT" altLang="it-IT" i="1"/>
+              <a:rPr lang="it-IT" altLang="it-IT" i="1" dirty="0"/>
               <a:t>Homo sapiens</a:t>
             </a:r>
             <a:r>
-              <a:rPr lang="it-IT" altLang="it-IT"/>
+              <a:rPr lang="it-IT" altLang="it-IT" dirty="0"/>
               <a:t>).</a:t>
             </a:r>
           </a:p>
           <a:p>
             <a:pPr algn="just" eaLnBrk="1" hangingPunct="1"/>
             <a:r>
-              <a:rPr lang="it-IT" altLang="it-IT"/>
+              <a:rPr lang="it-IT" altLang="it-IT" dirty="0"/>
               <a:t>Sono presenti anche nei virus, probabilmente come meccanismo di autoregolazione e di interferenza con le cellule ospiti, ma non nei batteri.</a:t>
             </a:r>
           </a:p>
@@ -19643,7 +22247,7 @@
           <p:nvPr/>
         </p:nvPicPr>
         <p:blipFill>
-          <a:blip r:embed="rId2">
+          <a:blip r:embed="rId3">
             <a:extLst>
               <a:ext uri="{28A0092B-C50C-407E-A947-70E740481C1C}">
                 <a14:useLocalDpi xmlns:a14="http://schemas.microsoft.com/office/drawing/2010/main" val="0"/>
@@ -21288,31 +23892,71 @@
           <a:p>
             <a:pPr eaLnBrk="1" hangingPunct="1"/>
             <a:r>
-              <a:rPr lang="it-IT" altLang="it-IT" sz="2200"/>
-              <a:t>I trascritti primari dei geni miRNA sono chiamati pri-miRNA.</a:t>
+              <a:rPr lang="it-IT" altLang="it-IT" sz="2200" dirty="0"/>
+              <a:t>I trascritti primari dei geni </a:t>
+            </a:r>
+            <a:r>
+              <a:rPr lang="it-IT" altLang="it-IT" sz="2200" dirty="0" err="1"/>
+              <a:t>miRNA</a:t>
+            </a:r>
+            <a:r>
+              <a:rPr lang="it-IT" altLang="it-IT" sz="2200" dirty="0"/>
+              <a:t> sono chiamati </a:t>
+            </a:r>
+            <a:r>
+              <a:rPr lang="it-IT" altLang="it-IT" sz="2200" dirty="0" err="1"/>
+              <a:t>pri-miRNA</a:t>
+            </a:r>
+            <a:r>
+              <a:rPr lang="it-IT" altLang="it-IT" sz="2200" dirty="0"/>
+              <a:t>.</a:t>
             </a:r>
           </a:p>
           <a:p>
             <a:pPr eaLnBrk="1" hangingPunct="1"/>
             <a:r>
-              <a:rPr lang="it-IT" altLang="it-IT" sz="2200"/>
-              <a:t>I pri-miRNA vengono tagliati da un enzima chiamato Drosha in molecole più piccole, a doppio filamento, chiamate pre-miRNA.</a:t>
+              <a:rPr lang="it-IT" altLang="it-IT" sz="2200" dirty="0"/>
+              <a:t>I </a:t>
+            </a:r>
+            <a:r>
+              <a:rPr lang="it-IT" altLang="it-IT" sz="2200" dirty="0" err="1"/>
+              <a:t>pri-miRNA</a:t>
+            </a:r>
+            <a:r>
+              <a:rPr lang="it-IT" altLang="it-IT" sz="2200" dirty="0"/>
+              <a:t> vengono tagliati da un enzima chiamato </a:t>
+            </a:r>
+            <a:r>
+              <a:rPr lang="it-IT" altLang="it-IT" sz="2200" dirty="0" err="1"/>
+              <a:t>Drosha</a:t>
+            </a:r>
+            <a:r>
+              <a:rPr lang="it-IT" altLang="it-IT" sz="2200" dirty="0"/>
+              <a:t> in molecole più piccole, a doppio filamento, chiamate </a:t>
+            </a:r>
+            <a:r>
+              <a:rPr lang="it-IT" altLang="it-IT" sz="2200" dirty="0" err="1"/>
+              <a:t>pre-miRNA</a:t>
+            </a:r>
+            <a:r>
+              <a:rPr lang="it-IT" altLang="it-IT" sz="2200" dirty="0"/>
+              <a:t>.</a:t>
             </a:r>
           </a:p>
           <a:p>
             <a:pPr eaLnBrk="1" hangingPunct="1"/>
-            <a:endParaRPr lang="it-IT" altLang="it-IT" sz="2200"/>
+            <a:endParaRPr lang="it-IT" altLang="it-IT" sz="2200" dirty="0"/>
           </a:p>
           <a:p>
             <a:pPr eaLnBrk="1" hangingPunct="1"/>
-            <a:endParaRPr lang="it-IT" altLang="it-IT" sz="2200"/>
+            <a:endParaRPr lang="it-IT" altLang="it-IT" sz="2200" dirty="0"/>
           </a:p>
           <a:p>
             <a:pPr eaLnBrk="1" hangingPunct="1">
               <a:buFontTx/>
               <a:buNone/>
             </a:pPr>
-            <a:endParaRPr lang="it-IT" altLang="it-IT" sz="2200"/>
+            <a:endParaRPr lang="it-IT" altLang="it-IT" sz="2200" dirty="0"/>
           </a:p>
         </p:txBody>
       </p:sp>
@@ -21331,7 +23975,7 @@
           <p:nvPr/>
         </p:nvPicPr>
         <p:blipFill>
-          <a:blip r:embed="rId2"/>
+          <a:blip r:embed="rId3"/>
           <a:srcRect/>
           <a:stretch>
             <a:fillRect/>
@@ -21543,15 +24187,39 @@
           <a:p>
             <a:pPr eaLnBrk="1" hangingPunct="1"/>
             <a:r>
-              <a:rPr lang="it-IT" altLang="it-IT" sz="2000"/>
-              <a:t>I pre-miRNA vengono esportati nel citoplasma e tagliati in RNA doppio filamento più piccoli da un altro enzima chiamato Dicer.</a:t>
+              <a:rPr lang="it-IT" altLang="it-IT" sz="2000" dirty="0"/>
+              <a:t>I </a:t>
+            </a:r>
+            <a:r>
+              <a:rPr lang="it-IT" altLang="it-IT" sz="2000" dirty="0" err="1"/>
+              <a:t>pre-miRNA</a:t>
+            </a:r>
+            <a:r>
+              <a:rPr lang="it-IT" altLang="it-IT" sz="2000" dirty="0"/>
+              <a:t> vengono esportati nel citoplasma e tagliati in RNA doppio filamento più piccoli da un altro enzima chiamato </a:t>
+            </a:r>
+            <a:r>
+              <a:rPr lang="it-IT" altLang="it-IT" sz="2000" dirty="0" err="1"/>
+              <a:t>Dicer</a:t>
+            </a:r>
+            <a:r>
+              <a:rPr lang="it-IT" altLang="it-IT" sz="2000" dirty="0"/>
+              <a:t>.</a:t>
             </a:r>
           </a:p>
           <a:p>
             <a:pPr eaLnBrk="1" hangingPunct="1"/>
             <a:r>
-              <a:rPr lang="it-IT" altLang="it-IT" sz="2000"/>
-              <a:t>Uno dei due filamenti contiene il miRNA maturo, lungo solitamente tra i 19 e i 25 nucleotidi, che viene incorporato in un complesso proteico chiamato RISC.</a:t>
+              <a:rPr lang="it-IT" altLang="it-IT" sz="2000" dirty="0"/>
+              <a:t>Uno dei due filamenti contiene il </a:t>
+            </a:r>
+            <a:r>
+              <a:rPr lang="it-IT" altLang="it-IT" sz="2000" dirty="0" err="1"/>
+              <a:t>miRNA</a:t>
+            </a:r>
+            <a:r>
+              <a:rPr lang="it-IT" altLang="it-IT" sz="2000" dirty="0"/>
+              <a:t> maturo, lungo solitamente tra i 19 e i 25 nucleotidi, che viene incorporato in un complesso proteico chiamato RISC.</a:t>
             </a:r>
           </a:p>
         </p:txBody>
@@ -22425,8 +25093,16 @@
           <a:p>
             <a:pPr algn="just"/>
             <a:r>
-              <a:rPr lang="it-IT" altLang="it-IT" sz="2400"/>
-              <a:t>I miRNA nei RISC sono in grado di legarsi a siti specifici di mRNA provocandone il silenziamento:</a:t>
+              <a:rPr lang="it-IT" altLang="it-IT" sz="2400" dirty="0"/>
+              <a:t>I </a:t>
+            </a:r>
+            <a:r>
+              <a:rPr lang="it-IT" altLang="it-IT" sz="2400" dirty="0" err="1"/>
+              <a:t>miRNA</a:t>
+            </a:r>
+            <a:r>
+              <a:rPr lang="it-IT" altLang="it-IT" sz="2400" dirty="0"/>
+              <a:t> nei RISC sono in grado di legarsi a siti specifici di mRNA provocandone il silenziamento:</a:t>
             </a:r>
           </a:p>
           <a:p>
@@ -22434,49 +25110,73 @@
               <a:buFontTx/>
               <a:buNone/>
             </a:pPr>
-            <a:endParaRPr lang="it-IT" altLang="it-IT" sz="2400"/>
+            <a:endParaRPr lang="it-IT" altLang="it-IT" sz="2400" dirty="0"/>
           </a:p>
           <a:p>
             <a:pPr algn="just">
               <a:buFontTx/>
               <a:buNone/>
             </a:pPr>
-            <a:endParaRPr lang="it-IT" altLang="it-IT" sz="2400"/>
+            <a:endParaRPr lang="it-IT" altLang="it-IT" sz="2400" dirty="0"/>
           </a:p>
           <a:p>
             <a:pPr algn="just">
               <a:buFontTx/>
               <a:buNone/>
             </a:pPr>
-            <a:endParaRPr lang="it-IT" altLang="it-IT" sz="2400"/>
+            <a:endParaRPr lang="it-IT" altLang="it-IT" sz="2400" dirty="0"/>
           </a:p>
           <a:p>
             <a:pPr algn="just">
               <a:buFontTx/>
               <a:buNone/>
             </a:pPr>
-            <a:endParaRPr lang="it-IT" altLang="it-IT" sz="2400"/>
+            <a:endParaRPr lang="it-IT" altLang="it-IT" sz="2400" dirty="0"/>
           </a:p>
           <a:p>
             <a:pPr algn="just"/>
             <a:r>
-              <a:rPr lang="it-IT" altLang="it-IT" sz="2400"/>
+              <a:rPr lang="it-IT" altLang="it-IT" sz="2400" dirty="0"/>
               <a:t>L</a:t>
             </a:r>
             <a:r>
-              <a:rPr lang="ja-JP" altLang="it-IT" sz="2400"/>
+              <a:rPr lang="ja-JP" altLang="it-IT" sz="2400" dirty="0"/>
               <a:t>’</a:t>
             </a:r>
             <a:r>
-              <a:rPr lang="it-IT" altLang="ja-JP" sz="2400"/>
-              <a:t>appaiamento della sequenza del miRNA con il suo sito bersaglio non è perfetto, ma può contenere bulge e loop.</a:t>
+              <a:rPr lang="it-IT" altLang="ja-JP" sz="2400" dirty="0"/>
+              <a:t>appaiamento della sequenza del </a:t>
+            </a:r>
+            <a:r>
+              <a:rPr lang="it-IT" altLang="ja-JP" sz="2400" dirty="0" err="1"/>
+              <a:t>miRNA</a:t>
+            </a:r>
+            <a:r>
+              <a:rPr lang="it-IT" altLang="ja-JP" sz="2400" dirty="0"/>
+              <a:t> con il suo sito bersaglio non è perfetto, ma può contenere </a:t>
+            </a:r>
+            <a:r>
+              <a:rPr lang="it-IT" altLang="ja-JP" sz="2400" dirty="0" err="1"/>
+              <a:t>bulge</a:t>
+            </a:r>
+            <a:r>
+              <a:rPr lang="it-IT" altLang="ja-JP" sz="2400" dirty="0"/>
+              <a:t> e loop.</a:t>
             </a:r>
           </a:p>
           <a:p>
             <a:pPr algn="just"/>
             <a:r>
-              <a:rPr lang="it-IT" altLang="it-IT" sz="2400"/>
-              <a:t>Dalle coppie miRNA/target individuate sperimentalmente emergono alcune regolarità nelle modalità di appaiamento. </a:t>
+              <a:rPr lang="it-IT" altLang="it-IT" sz="2400" dirty="0"/>
+              <a:t>Dalle coppie </a:t>
+            </a:r>
+            <a:r>
+              <a:rPr lang="it-IT" altLang="it-IT" sz="2400" dirty="0" err="1"/>
+              <a:t>miRNA</a:t>
+            </a:r>
+            <a:r>
+              <a:rPr lang="it-IT" altLang="it-IT" sz="2400" dirty="0"/>
+              <a:t>/target individuate sperimentalmente emergono alcune regolarità nelle modalità di appaiamento. </a:t>
             </a:r>
           </a:p>
         </p:txBody>
@@ -22496,7 +25196,7 @@
           <p:nvPr/>
         </p:nvPicPr>
         <p:blipFill>
-          <a:blip r:embed="rId2"/>
+          <a:blip r:embed="rId3"/>
           <a:srcRect/>
           <a:stretch>
             <a:fillRect/>
@@ -22900,19 +25600,27 @@
               </a:spcBef>
             </a:pPr>
             <a:r>
-              <a:rPr lang="it-IT" altLang="it-IT" sz="2400"/>
+              <a:rPr lang="it-IT" altLang="it-IT" sz="2400" dirty="0"/>
               <a:t>La regione iniziale (5</a:t>
             </a:r>
             <a:r>
-              <a:rPr lang="ja-JP" altLang="it-IT" sz="2400"/>
+              <a:rPr lang="ja-JP" altLang="it-IT" sz="2400" dirty="0"/>
               <a:t>’</a:t>
             </a:r>
             <a:r>
-              <a:rPr lang="it-IT" altLang="ja-JP" sz="2400"/>
-              <a:t>) del miRNA è chiamata </a:t>
-            </a:r>
-            <a:r>
-              <a:rPr lang="it-IT" altLang="ja-JP" sz="2400">
+              <a:rPr lang="it-IT" altLang="ja-JP" sz="2400" dirty="0"/>
+              <a:t>) del </a:t>
+            </a:r>
+            <a:r>
+              <a:rPr lang="it-IT" altLang="ja-JP" sz="2400" dirty="0" err="1"/>
+              <a:t>miRNA</a:t>
+            </a:r>
+            <a:r>
+              <a:rPr lang="it-IT" altLang="ja-JP" sz="2400" dirty="0"/>
+              <a:t> è chiamata </a:t>
+            </a:r>
+            <a:r>
+              <a:rPr lang="it-IT" altLang="ja-JP" sz="2400" dirty="0" err="1">
                 <a:solidFill>
                   <a:srgbClr val="FF0000"/>
                 </a:solidFill>
@@ -22920,7 +25628,7 @@
               <a:t>seed</a:t>
             </a:r>
             <a:r>
-              <a:rPr lang="it-IT" altLang="ja-JP" sz="2400"/>
+              <a:rPr lang="it-IT" altLang="ja-JP" sz="2400" dirty="0"/>
               <a:t> e sembra essere la regione più importante nel silenziamento.</a:t>
             </a:r>
           </a:p>
@@ -22931,16 +25639,24 @@
               </a:spcBef>
             </a:pPr>
             <a:r>
-              <a:rPr lang="it-IT" altLang="it-IT" sz="2400"/>
+              <a:rPr lang="it-IT" altLang="it-IT" sz="2400" dirty="0"/>
               <a:t>E</a:t>
             </a:r>
             <a:r>
-              <a:rPr lang="ja-JP" altLang="it-IT" sz="2400"/>
+              <a:rPr lang="ja-JP" altLang="it-IT" sz="2400" dirty="0"/>
               <a:t>’</a:t>
             </a:r>
             <a:r>
-              <a:rPr lang="it-IT" altLang="ja-JP" sz="2400"/>
-              <a:t> lunga solitamente tra i 7 e i 10 nucleotidi, ma esistono casi di seed più corti o più lunghi.</a:t>
+              <a:rPr lang="it-IT" altLang="ja-JP" sz="2400" dirty="0"/>
+              <a:t> lunga solitamente tra i 7 e i 10 nucleotidi, ma esistono casi di </a:t>
+            </a:r>
+            <a:r>
+              <a:rPr lang="it-IT" altLang="ja-JP" sz="2400" dirty="0" err="1"/>
+              <a:t>seed</a:t>
+            </a:r>
+            <a:r>
+              <a:rPr lang="it-IT" altLang="ja-JP" sz="2400" dirty="0"/>
+              <a:t> più corti o più lunghi.</a:t>
             </a:r>
           </a:p>
           <a:p>
@@ -22950,7 +25666,7 @@
               </a:spcBef>
             </a:pPr>
             <a:r>
-              <a:rPr lang="it-IT" altLang="it-IT" sz="2400"/>
+              <a:rPr lang="it-IT" altLang="it-IT" sz="2400" dirty="0"/>
               <a:t>Tale regione è solitamente appaiata in modo perfettamente complementare al suo target:</a:t>
             </a:r>
           </a:p>
@@ -22960,7 +25676,7 @@
                 <a:spcPct val="0"/>
               </a:spcBef>
             </a:pPr>
-            <a:endParaRPr lang="it-IT" altLang="it-IT" sz="2400"/>
+            <a:endParaRPr lang="it-IT" altLang="it-IT" sz="2400" dirty="0"/>
           </a:p>
           <a:p>
             <a:pPr algn="just" eaLnBrk="1" hangingPunct="1">
@@ -22968,7 +25684,7 @@
                 <a:spcPct val="0"/>
               </a:spcBef>
             </a:pPr>
-            <a:endParaRPr lang="it-IT" altLang="it-IT" sz="2400"/>
+            <a:endParaRPr lang="it-IT" altLang="it-IT" sz="2400" dirty="0"/>
           </a:p>
           <a:p>
             <a:pPr algn="just" eaLnBrk="1" hangingPunct="1">
@@ -22976,7 +25692,7 @@
                 <a:spcPct val="0"/>
               </a:spcBef>
             </a:pPr>
-            <a:endParaRPr lang="it-IT" altLang="it-IT" sz="2400"/>
+            <a:endParaRPr lang="it-IT" altLang="it-IT" sz="2400" dirty="0"/>
           </a:p>
           <a:p>
             <a:pPr algn="just" eaLnBrk="1" hangingPunct="1">
@@ -22984,7 +25700,7 @@
                 <a:spcPct val="0"/>
               </a:spcBef>
             </a:pPr>
-            <a:endParaRPr lang="it-IT" altLang="it-IT" sz="2400"/>
+            <a:endParaRPr lang="it-IT" altLang="it-IT" sz="2400" dirty="0"/>
           </a:p>
           <a:p>
             <a:pPr algn="just" eaLnBrk="1" hangingPunct="1">
@@ -22993,8 +25709,16 @@
               </a:spcBef>
             </a:pPr>
             <a:r>
-              <a:rPr lang="it-IT" altLang="it-IT" sz="2400"/>
-              <a:t>Il primo nucleotide del miRNA non è determinante e può non essere appaiato.</a:t>
+              <a:rPr lang="it-IT" altLang="it-IT" sz="2400" dirty="0"/>
+              <a:t>Il primo nucleotide del </a:t>
+            </a:r>
+            <a:r>
+              <a:rPr lang="it-IT" altLang="it-IT" sz="2400" dirty="0" err="1"/>
+              <a:t>miRNA</a:t>
+            </a:r>
+            <a:r>
+              <a:rPr lang="it-IT" altLang="it-IT" sz="2400" dirty="0"/>
+              <a:t> non è determinante e può non essere appaiato.</a:t>
             </a:r>
           </a:p>
           <a:p>
@@ -23005,7 +25729,7 @@
               <a:buFontTx/>
               <a:buNone/>
             </a:pPr>
-            <a:endParaRPr lang="it-IT" altLang="it-IT" sz="2400"/>
+            <a:endParaRPr lang="it-IT" altLang="it-IT" sz="2400" dirty="0"/>
           </a:p>
         </p:txBody>
       </p:sp>
@@ -23024,7 +25748,7 @@
           <p:nvPr/>
         </p:nvPicPr>
         <p:blipFill>
-          <a:blip r:embed="rId2">
+          <a:blip r:embed="rId3">
             <a:extLst>
               <a:ext uri="{28A0092B-C50C-407E-A947-70E740481C1C}">
                 <a14:useLocalDpi xmlns:a14="http://schemas.microsoft.com/office/drawing/2010/main" val="0"/>
@@ -23850,8 +26574,24 @@
               </a:spcBef>
             </a:pPr>
             <a:r>
-              <a:rPr lang="it-IT" altLang="it-IT" sz="2200"/>
-              <a:t>La regione a valle del seed contiene solitamente un bulge o un loop: </a:t>
+              <a:rPr lang="it-IT" altLang="it-IT" sz="2200" dirty="0"/>
+              <a:t>La regione a valle del </a:t>
+            </a:r>
+            <a:r>
+              <a:rPr lang="it-IT" altLang="it-IT" sz="2200" dirty="0" err="1"/>
+              <a:t>seed</a:t>
+            </a:r>
+            <a:r>
+              <a:rPr lang="it-IT" altLang="it-IT" sz="2200" dirty="0"/>
+              <a:t> contiene solitamente un </a:t>
+            </a:r>
+            <a:r>
+              <a:rPr lang="it-IT" altLang="it-IT" sz="2200" dirty="0" err="1"/>
+              <a:t>bulge</a:t>
+            </a:r>
+            <a:r>
+              <a:rPr lang="it-IT" altLang="it-IT" sz="2200" dirty="0"/>
+              <a:t> o un loop: </a:t>
             </a:r>
           </a:p>
           <a:p>
@@ -23860,7 +26600,7 @@
                 <a:spcPct val="0"/>
               </a:spcBef>
             </a:pPr>
-            <a:endParaRPr lang="it-IT" altLang="it-IT" sz="2200"/>
+            <a:endParaRPr lang="it-IT" altLang="it-IT" sz="2200" dirty="0"/>
           </a:p>
           <a:p>
             <a:pPr algn="just" eaLnBrk="1" hangingPunct="1">
@@ -23868,7 +26608,7 @@
                 <a:spcPct val="0"/>
               </a:spcBef>
             </a:pPr>
-            <a:endParaRPr lang="it-IT" altLang="it-IT" sz="2200"/>
+            <a:endParaRPr lang="it-IT" altLang="it-IT" sz="2200" dirty="0"/>
           </a:p>
           <a:p>
             <a:pPr algn="just" eaLnBrk="1" hangingPunct="1">
@@ -23876,7 +26616,7 @@
                 <a:spcPct val="0"/>
               </a:spcBef>
             </a:pPr>
-            <a:endParaRPr lang="it-IT" altLang="it-IT" sz="2200"/>
+            <a:endParaRPr lang="it-IT" altLang="it-IT" sz="2200" dirty="0"/>
           </a:p>
           <a:p>
             <a:pPr algn="just" eaLnBrk="1" hangingPunct="1">
@@ -23884,7 +26624,7 @@
                 <a:spcPct val="0"/>
               </a:spcBef>
             </a:pPr>
-            <a:endParaRPr lang="it-IT" altLang="it-IT" sz="2200"/>
+            <a:endParaRPr lang="it-IT" altLang="it-IT" sz="2200" dirty="0"/>
           </a:p>
           <a:p>
             <a:pPr algn="just" eaLnBrk="1" hangingPunct="1">
@@ -23893,16 +26633,24 @@
               </a:spcBef>
             </a:pPr>
             <a:r>
-              <a:rPr lang="it-IT" altLang="it-IT" sz="2200"/>
+              <a:rPr lang="it-IT" altLang="it-IT" sz="2200" dirty="0"/>
               <a:t>La regione 3</a:t>
             </a:r>
             <a:r>
-              <a:rPr lang="ja-JP" altLang="it-IT" sz="2200"/>
+              <a:rPr lang="ja-JP" altLang="it-IT" sz="2200" dirty="0"/>
               <a:t>’</a:t>
             </a:r>
             <a:r>
-              <a:rPr lang="it-IT" altLang="ja-JP" sz="2200"/>
-              <a:t> del miRNA mostra solitamente una complementarità imperfetta al suo target.</a:t>
+              <a:rPr lang="it-IT" altLang="ja-JP" sz="2200" dirty="0"/>
+              <a:t> del </a:t>
+            </a:r>
+            <a:r>
+              <a:rPr lang="it-IT" altLang="ja-JP" sz="2200" dirty="0" err="1"/>
+              <a:t>miRNA</a:t>
+            </a:r>
+            <a:r>
+              <a:rPr lang="it-IT" altLang="ja-JP" sz="2200" dirty="0"/>
+              <a:t> mostra solitamente una complementarità imperfetta al suo target.</a:t>
             </a:r>
           </a:p>
           <a:p>
@@ -23912,16 +26660,32 @@
               </a:spcBef>
             </a:pPr>
             <a:r>
-              <a:rPr lang="it-IT" altLang="it-IT" sz="2200"/>
-              <a:t>Le coppie G:U nella regione del seed sembrano essere sfavorevoli al silenziamento, sebbene siano ammesse, mentre sono abbastanza comuni nella regione 3</a:t>
-            </a:r>
-            <a:r>
-              <a:rPr lang="ja-JP" altLang="it-IT" sz="2200"/>
+              <a:rPr lang="it-IT" altLang="it-IT" sz="2200" dirty="0"/>
+              <a:t>Le coppie G:U nella regione del </a:t>
+            </a:r>
+            <a:r>
+              <a:rPr lang="it-IT" altLang="it-IT" sz="2200" dirty="0" err="1"/>
+              <a:t>seed</a:t>
+            </a:r>
+            <a:r>
+              <a:rPr lang="it-IT" altLang="it-IT" sz="2200" dirty="0"/>
+              <a:t> sembrano essere sfavorevoli al silenziamento, sebbene siano ammesse, mentre sono abbastanza comuni nella regione 3</a:t>
+            </a:r>
+            <a:r>
+              <a:rPr lang="ja-JP" altLang="it-IT" sz="2200" dirty="0"/>
               <a:t>’</a:t>
             </a:r>
             <a:r>
-              <a:rPr lang="it-IT" altLang="ja-JP" sz="2200"/>
-              <a:t>del miRNA.</a:t>
+              <a:rPr lang="it-IT" altLang="ja-JP" sz="2200" dirty="0"/>
+              <a:t>del </a:t>
+            </a:r>
+            <a:r>
+              <a:rPr lang="it-IT" altLang="ja-JP" sz="2200" dirty="0" err="1"/>
+              <a:t>miRNA</a:t>
+            </a:r>
+            <a:r>
+              <a:rPr lang="it-IT" altLang="ja-JP" sz="2200" dirty="0"/>
+              <a:t>.</a:t>
             </a:r>
           </a:p>
           <a:p>
@@ -23931,15 +26695,23 @@
               </a:spcBef>
             </a:pPr>
             <a:r>
-              <a:rPr lang="it-IT" altLang="it-IT" sz="2200"/>
-              <a:t>Infine, le regioni di legame dei miRNA si trovano nella regione 3</a:t>
-            </a:r>
-            <a:r>
-              <a:rPr lang="ja-JP" altLang="it-IT" sz="2200"/>
+              <a:rPr lang="it-IT" altLang="it-IT" sz="2200" dirty="0"/>
+              <a:t>Infine, le regioni di legame dei </a:t>
+            </a:r>
+            <a:r>
+              <a:rPr lang="it-IT" altLang="it-IT" sz="2200" dirty="0" err="1"/>
+              <a:t>miRNA</a:t>
+            </a:r>
+            <a:r>
+              <a:rPr lang="it-IT" altLang="it-IT" sz="2200" dirty="0"/>
+              <a:t> si trovano nella regione 3</a:t>
+            </a:r>
+            <a:r>
+              <a:rPr lang="ja-JP" altLang="it-IT" sz="2200" dirty="0"/>
               <a:t>’</a:t>
             </a:r>
             <a:r>
-              <a:rPr lang="it-IT" altLang="ja-JP" sz="2200"/>
+              <a:rPr lang="it-IT" altLang="ja-JP" sz="2200" dirty="0"/>
               <a:t> UTR degli mRNA bersaglio.</a:t>
             </a:r>
           </a:p>
@@ -23949,7 +26721,7 @@
                 <a:spcPct val="0"/>
               </a:spcBef>
             </a:pPr>
-            <a:endParaRPr lang="it-IT" altLang="it-IT" sz="2200" b="1"/>
+            <a:endParaRPr lang="it-IT" altLang="it-IT" sz="2200" b="1" dirty="0"/>
           </a:p>
         </p:txBody>
       </p:sp>
@@ -23968,7 +26740,7 @@
           <p:nvPr/>
         </p:nvPicPr>
         <p:blipFill>
-          <a:blip r:embed="rId2">
+          <a:blip r:embed="rId3">
             <a:extLst>
               <a:ext uri="{28A0092B-C50C-407E-A947-70E740481C1C}">
                 <a14:useLocalDpi xmlns:a14="http://schemas.microsoft.com/office/drawing/2010/main" val="0"/>
